--- a/Data/tables_and_plots/plots/pptx/FT.pptx
+++ b/Data/tables_and_plots/plots/pptx/FT.pptx
@@ -123,16 +123,64 @@
 </p:presentation>
 </file>
 
-<file path=ppt/revisionInfo.xml><?xml version="1.0" encoding="utf-8"?>
-<p1510:revInfo xmlns:a="http://schemas.openxmlformats.org/drawingml/2006/main" xmlns:r="http://schemas.openxmlformats.org/officeDocument/2006/relationships" xmlns:p1510="http://schemas.microsoft.com/office/powerpoint/2015/10/main">
-  <p1510:revLst>
-    <p1510:client id="{123D10A6-BAFC-41A1-9B82-A9647F8AE68E}" v="16" dt="2023-04-26T16:26:49.276"/>
-  </p1510:revLst>
-</p1510:revInfo>
-</file>
-
 <file path=ppt/changesInfos/changesInfo1.xml><?xml version="1.0" encoding="utf-8"?>
 <pc:chgInfo xmlns:a="http://schemas.openxmlformats.org/drawingml/2006/main" xmlns:r="http://schemas.openxmlformats.org/officeDocument/2006/relationships" xmlns:ac="http://schemas.microsoft.com/office/drawing/2013/main/command" xmlns:pc="http://schemas.microsoft.com/office/powerpoint/2013/main/command">
+  <pc:docChgLst>
+    <pc:chgData name="Markus Alexandersen" userId="991ad98c12cc37c6" providerId="LiveId" clId="{E695D4F2-2C51-4D9E-9C29-1A0F246AF608}"/>
+    <pc:docChg chg="modSld">
+      <pc:chgData name="Markus Alexandersen" userId="991ad98c12cc37c6" providerId="LiveId" clId="{E695D4F2-2C51-4D9E-9C29-1A0F246AF608}" dt="2023-05-15T09:09:22.874" v="13" actId="1582"/>
+      <pc:docMkLst>
+        <pc:docMk/>
+      </pc:docMkLst>
+      <pc:sldChg chg="modSp mod">
+        <pc:chgData name="Markus Alexandersen" userId="991ad98c12cc37c6" providerId="LiveId" clId="{E695D4F2-2C51-4D9E-9C29-1A0F246AF608}" dt="2023-05-15T09:09:22.874" v="13" actId="1582"/>
+        <pc:sldMkLst>
+          <pc:docMk/>
+          <pc:sldMk cId="3401215204" sldId="256"/>
+        </pc:sldMkLst>
+        <pc:spChg chg="mod">
+          <ac:chgData name="Markus Alexandersen" userId="991ad98c12cc37c6" providerId="LiveId" clId="{E695D4F2-2C51-4D9E-9C29-1A0F246AF608}" dt="2023-05-15T09:09:22.874" v="13" actId="1582"/>
+          <ac:spMkLst>
+            <pc:docMk/>
+            <pc:sldMk cId="3401215204" sldId="256"/>
+            <ac:spMk id="10" creationId="{81C6A9EF-4B08-5E3F-F71D-6C827598C8AA}"/>
+          </ac:spMkLst>
+        </pc:spChg>
+        <pc:spChg chg="mod">
+          <ac:chgData name="Markus Alexandersen" userId="991ad98c12cc37c6" providerId="LiveId" clId="{E695D4F2-2C51-4D9E-9C29-1A0F246AF608}" dt="2023-05-15T09:09:18.295" v="12" actId="1582"/>
+          <ac:spMkLst>
+            <pc:docMk/>
+            <pc:sldMk cId="3401215204" sldId="256"/>
+            <ac:spMk id="11" creationId="{ED28234B-9296-A31B-47A9-32DAE0AB59D7}"/>
+          </ac:spMkLst>
+        </pc:spChg>
+        <pc:spChg chg="mod">
+          <ac:chgData name="Markus Alexandersen" userId="991ad98c12cc37c6" providerId="LiveId" clId="{E695D4F2-2C51-4D9E-9C29-1A0F246AF608}" dt="2023-05-15T09:09:12.875" v="11" actId="1582"/>
+          <ac:spMkLst>
+            <pc:docMk/>
+            <pc:sldMk cId="3401215204" sldId="256"/>
+            <ac:spMk id="12" creationId="{35D3ED88-7439-3F0E-2B99-96D6688BD397}"/>
+          </ac:spMkLst>
+        </pc:spChg>
+        <pc:cxnChg chg="mod">
+          <ac:chgData name="Markus Alexandersen" userId="991ad98c12cc37c6" providerId="LiveId" clId="{E695D4F2-2C51-4D9E-9C29-1A0F246AF608}" dt="2023-05-15T09:09:01.204" v="8" actId="208"/>
+          <ac:cxnSpMkLst>
+            <pc:docMk/>
+            <pc:sldMk cId="3401215204" sldId="256"/>
+            <ac:cxnSpMk id="13" creationId="{E5E71B23-DFBC-A48F-6CD1-870C5D9E8C77}"/>
+          </ac:cxnSpMkLst>
+        </pc:cxnChg>
+        <pc:cxnChg chg="mod">
+          <ac:chgData name="Markus Alexandersen" userId="991ad98c12cc37c6" providerId="LiveId" clId="{E695D4F2-2C51-4D9E-9C29-1A0F246AF608}" dt="2023-05-15T09:09:03.626" v="9" actId="208"/>
+          <ac:cxnSpMkLst>
+            <pc:docMk/>
+            <pc:sldMk cId="3401215204" sldId="256"/>
+            <ac:cxnSpMk id="17" creationId="{9CB858BC-7202-D827-052E-BC0E0AA02A41}"/>
+          </ac:cxnSpMkLst>
+        </pc:cxnChg>
+      </pc:sldChg>
+    </pc:docChg>
+  </pc:docChgLst>
   <pc:docChgLst>
     <pc:chgData name="Markus Alexandersen" userId="991ad98c12cc37c6" providerId="LiveId" clId="{123D10A6-BAFC-41A1-9B82-A9647F8AE68E}"/>
     <pc:docChg chg="undo custSel addSld modSld modMainMaster">
@@ -943,7 +991,7 @@
           <a:p>
             <a:fld id="{0120F4E8-198F-4B2B-B09E-C90C0085E8EB}" type="datetimeFigureOut">
               <a:rPr lang="en-US" smtClean="0"/>
-              <a:t>4/26/2023</a:t>
+              <a:t>5/15/2023</a:t>
             </a:fld>
             <a:endParaRPr lang="en-US"/>
           </a:p>
@@ -1113,7 +1161,7 @@
           <a:p>
             <a:fld id="{0120F4E8-198F-4B2B-B09E-C90C0085E8EB}" type="datetimeFigureOut">
               <a:rPr lang="en-US" smtClean="0"/>
-              <a:t>4/26/2023</a:t>
+              <a:t>5/15/2023</a:t>
             </a:fld>
             <a:endParaRPr lang="en-US"/>
           </a:p>
@@ -1293,7 +1341,7 @@
           <a:p>
             <a:fld id="{0120F4E8-198F-4B2B-B09E-C90C0085E8EB}" type="datetimeFigureOut">
               <a:rPr lang="en-US" smtClean="0"/>
-              <a:t>4/26/2023</a:t>
+              <a:t>5/15/2023</a:t>
             </a:fld>
             <a:endParaRPr lang="en-US"/>
           </a:p>
@@ -1463,7 +1511,7 @@
           <a:p>
             <a:fld id="{0120F4E8-198F-4B2B-B09E-C90C0085E8EB}" type="datetimeFigureOut">
               <a:rPr lang="en-US" smtClean="0"/>
-              <a:t>4/26/2023</a:t>
+              <a:t>5/15/2023</a:t>
             </a:fld>
             <a:endParaRPr lang="en-US"/>
           </a:p>
@@ -1709,7 +1757,7 @@
           <a:p>
             <a:fld id="{0120F4E8-198F-4B2B-B09E-C90C0085E8EB}" type="datetimeFigureOut">
               <a:rPr lang="en-US" smtClean="0"/>
-              <a:t>4/26/2023</a:t>
+              <a:t>5/15/2023</a:t>
             </a:fld>
             <a:endParaRPr lang="en-US"/>
           </a:p>
@@ -1941,7 +1989,7 @@
           <a:p>
             <a:fld id="{0120F4E8-198F-4B2B-B09E-C90C0085E8EB}" type="datetimeFigureOut">
               <a:rPr lang="en-US" smtClean="0"/>
-              <a:t>4/26/2023</a:t>
+              <a:t>5/15/2023</a:t>
             </a:fld>
             <a:endParaRPr lang="en-US"/>
           </a:p>
@@ -2308,7 +2356,7 @@
           <a:p>
             <a:fld id="{0120F4E8-198F-4B2B-B09E-C90C0085E8EB}" type="datetimeFigureOut">
               <a:rPr lang="en-US" smtClean="0"/>
-              <a:t>4/26/2023</a:t>
+              <a:t>5/15/2023</a:t>
             </a:fld>
             <a:endParaRPr lang="en-US"/>
           </a:p>
@@ -2426,7 +2474,7 @@
           <a:p>
             <a:fld id="{0120F4E8-198F-4B2B-B09E-C90C0085E8EB}" type="datetimeFigureOut">
               <a:rPr lang="en-US" smtClean="0"/>
-              <a:t>4/26/2023</a:t>
+              <a:t>5/15/2023</a:t>
             </a:fld>
             <a:endParaRPr lang="en-US"/>
           </a:p>
@@ -2521,7 +2569,7 @@
           <a:p>
             <a:fld id="{0120F4E8-198F-4B2B-B09E-C90C0085E8EB}" type="datetimeFigureOut">
               <a:rPr lang="en-US" smtClean="0"/>
-              <a:t>4/26/2023</a:t>
+              <a:t>5/15/2023</a:t>
             </a:fld>
             <a:endParaRPr lang="en-US"/>
           </a:p>
@@ -2798,7 +2846,7 @@
           <a:p>
             <a:fld id="{0120F4E8-198F-4B2B-B09E-C90C0085E8EB}" type="datetimeFigureOut">
               <a:rPr lang="en-US" smtClean="0"/>
-              <a:t>4/26/2023</a:t>
+              <a:t>5/15/2023</a:t>
             </a:fld>
             <a:endParaRPr lang="en-US"/>
           </a:p>
@@ -3055,7 +3103,7 @@
           <a:p>
             <a:fld id="{0120F4E8-198F-4B2B-B09E-C90C0085E8EB}" type="datetimeFigureOut">
               <a:rPr lang="en-US" smtClean="0"/>
-              <a:t>4/26/2023</a:t>
+              <a:t>5/15/2023</a:t>
             </a:fld>
             <a:endParaRPr lang="en-US"/>
           </a:p>
@@ -3268,7 +3316,7 @@
           <a:p>
             <a:fld id="{0120F4E8-198F-4B2B-B09E-C90C0085E8EB}" type="datetimeFigureOut">
               <a:rPr lang="en-US" smtClean="0"/>
-              <a:t>4/26/2023</a:t>
+              <a:t>5/15/2023</a:t>
             </a:fld>
             <a:endParaRPr lang="en-US"/>
           </a:p>
@@ -3700,7 +3748,7 @@
               <a:lumMod val="95000"/>
             </a:schemeClr>
           </a:solidFill>
-          <a:ln w="6350">
+          <a:ln w="12700">
             <a:solidFill>
               <a:schemeClr val="tx1"/>
             </a:solidFill>
@@ -3776,9 +3824,9 @@
               <a:lumMod val="95000"/>
             </a:schemeClr>
           </a:solidFill>
-          <a:ln w="6350">
+          <a:ln w="12700">
             <a:solidFill>
-              <a:schemeClr val="tx1"/>
+              <a:srgbClr val="0000FF"/>
             </a:solidFill>
             <a:prstDash val="dash"/>
           </a:ln>
@@ -3851,12 +3899,11 @@
             <a:avLst/>
           </a:prstGeom>
           <a:solidFill>
-            <a:schemeClr val="accent5">
-              <a:lumMod val="20000"/>
-              <a:lumOff val="80000"/>
+            <a:schemeClr val="bg1">
+              <a:lumMod val="95000"/>
             </a:schemeClr>
           </a:solidFill>
-          <a:ln w="6350">
+          <a:ln w="12700">
             <a:solidFill>
               <a:schemeClr val="tx1"/>
             </a:solidFill>
@@ -3963,14 +4010,15 @@
           </p:cNvPr>
           <p:cNvCxnSpPr>
             <a:cxnSpLocks/>
+            <a:stCxn id="11" idx="3"/>
             <a:endCxn id="12" idx="1"/>
           </p:cNvCxnSpPr>
           <p:nvPr/>
         </p:nvCxnSpPr>
         <p:spPr>
-          <a:xfrm flipV="1">
-            <a:off x="6824542" y="1262062"/>
-            <a:ext cx="846565" cy="2"/>
+          <a:xfrm>
+            <a:off x="6768326" y="1262062"/>
+            <a:ext cx="902781" cy="0"/>
           </a:xfrm>
           <a:prstGeom prst="straightConnector1">
             <a:avLst/>

--- a/Data/tables_and_plots/plots/pptx/FT.pptx
+++ b/Data/tables_and_plots/plots/pptx/FT.pptx
@@ -127,19 +127,19 @@
 <pc:chgInfo xmlns:a="http://schemas.openxmlformats.org/drawingml/2006/main" xmlns:r="http://schemas.openxmlformats.org/officeDocument/2006/relationships" xmlns:ac="http://schemas.microsoft.com/office/drawing/2013/main/command" xmlns:pc="http://schemas.microsoft.com/office/powerpoint/2013/main/command">
   <pc:docChgLst>
     <pc:chgData name="Markus Alexandersen" userId="991ad98c12cc37c6" providerId="LiveId" clId="{E695D4F2-2C51-4D9E-9C29-1A0F246AF608}"/>
-    <pc:docChg chg="modSld">
-      <pc:chgData name="Markus Alexandersen" userId="991ad98c12cc37c6" providerId="LiveId" clId="{E695D4F2-2C51-4D9E-9C29-1A0F246AF608}" dt="2023-05-15T09:09:22.874" v="13" actId="1582"/>
+    <pc:docChg chg="undo custSel modSld">
+      <pc:chgData name="Markus Alexandersen" userId="991ad98c12cc37c6" providerId="LiveId" clId="{E695D4F2-2C51-4D9E-9C29-1A0F246AF608}" dt="2023-05-22T09:25:05.903" v="33" actId="1076"/>
       <pc:docMkLst>
         <pc:docMk/>
       </pc:docMkLst>
       <pc:sldChg chg="modSp mod">
-        <pc:chgData name="Markus Alexandersen" userId="991ad98c12cc37c6" providerId="LiveId" clId="{E695D4F2-2C51-4D9E-9C29-1A0F246AF608}" dt="2023-05-15T09:09:22.874" v="13" actId="1582"/>
+        <pc:chgData name="Markus Alexandersen" userId="991ad98c12cc37c6" providerId="LiveId" clId="{E695D4F2-2C51-4D9E-9C29-1A0F246AF608}" dt="2023-05-22T09:25:05.903" v="33" actId="1076"/>
         <pc:sldMkLst>
           <pc:docMk/>
           <pc:sldMk cId="3401215204" sldId="256"/>
         </pc:sldMkLst>
         <pc:spChg chg="mod">
-          <ac:chgData name="Markus Alexandersen" userId="991ad98c12cc37c6" providerId="LiveId" clId="{E695D4F2-2C51-4D9E-9C29-1A0F246AF608}" dt="2023-05-15T09:09:22.874" v="13" actId="1582"/>
+          <ac:chgData name="Markus Alexandersen" userId="991ad98c12cc37c6" providerId="LiveId" clId="{E695D4F2-2C51-4D9E-9C29-1A0F246AF608}" dt="2023-05-22T08:56:00.980" v="18" actId="14100"/>
           <ac:spMkLst>
             <pc:docMk/>
             <pc:sldMk cId="3401215204" sldId="256"/>
@@ -147,7 +147,7 @@
           </ac:spMkLst>
         </pc:spChg>
         <pc:spChg chg="mod">
-          <ac:chgData name="Markus Alexandersen" userId="991ad98c12cc37c6" providerId="LiveId" clId="{E695D4F2-2C51-4D9E-9C29-1A0F246AF608}" dt="2023-05-15T09:09:18.295" v="12" actId="1582"/>
+          <ac:chgData name="Markus Alexandersen" userId="991ad98c12cc37c6" providerId="LiveId" clId="{E695D4F2-2C51-4D9E-9C29-1A0F246AF608}" dt="2023-05-22T09:25:05.903" v="33" actId="1076"/>
           <ac:spMkLst>
             <pc:docMk/>
             <pc:sldMk cId="3401215204" sldId="256"/>
@@ -155,15 +155,23 @@
           </ac:spMkLst>
         </pc:spChg>
         <pc:spChg chg="mod">
-          <ac:chgData name="Markus Alexandersen" userId="991ad98c12cc37c6" providerId="LiveId" clId="{E695D4F2-2C51-4D9E-9C29-1A0F246AF608}" dt="2023-05-15T09:09:12.875" v="11" actId="1582"/>
+          <ac:chgData name="Markus Alexandersen" userId="991ad98c12cc37c6" providerId="LiveId" clId="{E695D4F2-2C51-4D9E-9C29-1A0F246AF608}" dt="2023-05-22T09:25:02.281" v="32" actId="207"/>
           <ac:spMkLst>
             <pc:docMk/>
             <pc:sldMk cId="3401215204" sldId="256"/>
             <ac:spMk id="12" creationId="{35D3ED88-7439-3F0E-2B99-96D6688BD397}"/>
           </ac:spMkLst>
         </pc:spChg>
+        <pc:spChg chg="mod">
+          <ac:chgData name="Markus Alexandersen" userId="991ad98c12cc37c6" providerId="LiveId" clId="{E695D4F2-2C51-4D9E-9C29-1A0F246AF608}" dt="2023-05-22T08:59:42.444" v="30" actId="1076"/>
+          <ac:spMkLst>
+            <pc:docMk/>
+            <pc:sldMk cId="3401215204" sldId="256"/>
+            <ac:spMk id="18" creationId="{0D0BAB55-55D7-3135-123E-23D2E3E9DF7E}"/>
+          </ac:spMkLst>
+        </pc:spChg>
         <pc:cxnChg chg="mod">
-          <ac:chgData name="Markus Alexandersen" userId="991ad98c12cc37c6" providerId="LiveId" clId="{E695D4F2-2C51-4D9E-9C29-1A0F246AF608}" dt="2023-05-15T09:09:01.204" v="8" actId="208"/>
+          <ac:chgData name="Markus Alexandersen" userId="991ad98c12cc37c6" providerId="LiveId" clId="{E695D4F2-2C51-4D9E-9C29-1A0F246AF608}" dt="2023-05-22T09:25:05.903" v="33" actId="1076"/>
           <ac:cxnSpMkLst>
             <pc:docMk/>
             <pc:sldMk cId="3401215204" sldId="256"/>
@@ -171,7 +179,7 @@
           </ac:cxnSpMkLst>
         </pc:cxnChg>
         <pc:cxnChg chg="mod">
-          <ac:chgData name="Markus Alexandersen" userId="991ad98c12cc37c6" providerId="LiveId" clId="{E695D4F2-2C51-4D9E-9C29-1A0F246AF608}" dt="2023-05-15T09:09:03.626" v="9" actId="208"/>
+          <ac:chgData name="Markus Alexandersen" userId="991ad98c12cc37c6" providerId="LiveId" clId="{E695D4F2-2C51-4D9E-9C29-1A0F246AF608}" dt="2023-05-22T09:25:05.903" v="33" actId="1076"/>
           <ac:cxnSpMkLst>
             <pc:docMk/>
             <pc:sldMk cId="3401215204" sldId="256"/>
@@ -991,7 +999,7 @@
           <a:p>
             <a:fld id="{0120F4E8-198F-4B2B-B09E-C90C0085E8EB}" type="datetimeFigureOut">
               <a:rPr lang="en-US" smtClean="0"/>
-              <a:t>5/15/2023</a:t>
+              <a:t>5/22/2023</a:t>
             </a:fld>
             <a:endParaRPr lang="en-US"/>
           </a:p>
@@ -1161,7 +1169,7 @@
           <a:p>
             <a:fld id="{0120F4E8-198F-4B2B-B09E-C90C0085E8EB}" type="datetimeFigureOut">
               <a:rPr lang="en-US" smtClean="0"/>
-              <a:t>5/15/2023</a:t>
+              <a:t>5/22/2023</a:t>
             </a:fld>
             <a:endParaRPr lang="en-US"/>
           </a:p>
@@ -1341,7 +1349,7 @@
           <a:p>
             <a:fld id="{0120F4E8-198F-4B2B-B09E-C90C0085E8EB}" type="datetimeFigureOut">
               <a:rPr lang="en-US" smtClean="0"/>
-              <a:t>5/15/2023</a:t>
+              <a:t>5/22/2023</a:t>
             </a:fld>
             <a:endParaRPr lang="en-US"/>
           </a:p>
@@ -1511,7 +1519,7 @@
           <a:p>
             <a:fld id="{0120F4E8-198F-4B2B-B09E-C90C0085E8EB}" type="datetimeFigureOut">
               <a:rPr lang="en-US" smtClean="0"/>
-              <a:t>5/15/2023</a:t>
+              <a:t>5/22/2023</a:t>
             </a:fld>
             <a:endParaRPr lang="en-US"/>
           </a:p>
@@ -1757,7 +1765,7 @@
           <a:p>
             <a:fld id="{0120F4E8-198F-4B2B-B09E-C90C0085E8EB}" type="datetimeFigureOut">
               <a:rPr lang="en-US" smtClean="0"/>
-              <a:t>5/15/2023</a:t>
+              <a:t>5/22/2023</a:t>
             </a:fld>
             <a:endParaRPr lang="en-US"/>
           </a:p>
@@ -1989,7 +1997,7 @@
           <a:p>
             <a:fld id="{0120F4E8-198F-4B2B-B09E-C90C0085E8EB}" type="datetimeFigureOut">
               <a:rPr lang="en-US" smtClean="0"/>
-              <a:t>5/15/2023</a:t>
+              <a:t>5/22/2023</a:t>
             </a:fld>
             <a:endParaRPr lang="en-US"/>
           </a:p>
@@ -2356,7 +2364,7 @@
           <a:p>
             <a:fld id="{0120F4E8-198F-4B2B-B09E-C90C0085E8EB}" type="datetimeFigureOut">
               <a:rPr lang="en-US" smtClean="0"/>
-              <a:t>5/15/2023</a:t>
+              <a:t>5/22/2023</a:t>
             </a:fld>
             <a:endParaRPr lang="en-US"/>
           </a:p>
@@ -2474,7 +2482,7 @@
           <a:p>
             <a:fld id="{0120F4E8-198F-4B2B-B09E-C90C0085E8EB}" type="datetimeFigureOut">
               <a:rPr lang="en-US" smtClean="0"/>
-              <a:t>5/15/2023</a:t>
+              <a:t>5/22/2023</a:t>
             </a:fld>
             <a:endParaRPr lang="en-US"/>
           </a:p>
@@ -2569,7 +2577,7 @@
           <a:p>
             <a:fld id="{0120F4E8-198F-4B2B-B09E-C90C0085E8EB}" type="datetimeFigureOut">
               <a:rPr lang="en-US" smtClean="0"/>
-              <a:t>5/15/2023</a:t>
+              <a:t>5/22/2023</a:t>
             </a:fld>
             <a:endParaRPr lang="en-US"/>
           </a:p>
@@ -2846,7 +2854,7 @@
           <a:p>
             <a:fld id="{0120F4E8-198F-4B2B-B09E-C90C0085E8EB}" type="datetimeFigureOut">
               <a:rPr lang="en-US" smtClean="0"/>
-              <a:t>5/15/2023</a:t>
+              <a:t>5/22/2023</a:t>
             </a:fld>
             <a:endParaRPr lang="en-US"/>
           </a:p>
@@ -3103,7 +3111,7 @@
           <a:p>
             <a:fld id="{0120F4E8-198F-4B2B-B09E-C90C0085E8EB}" type="datetimeFigureOut">
               <a:rPr lang="en-US" smtClean="0"/>
-              <a:t>5/15/2023</a:t>
+              <a:t>5/22/2023</a:t>
             </a:fld>
             <a:endParaRPr lang="en-US"/>
           </a:p>
@@ -3316,7 +3324,7 @@
           <a:p>
             <a:fld id="{0120F4E8-198F-4B2B-B09E-C90C0085E8EB}" type="datetimeFigureOut">
               <a:rPr lang="en-US" smtClean="0"/>
-              <a:t>5/15/2023</a:t>
+              <a:t>5/22/2023</a:t>
             </a:fld>
             <a:endParaRPr lang="en-US"/>
           </a:p>
@@ -3811,7 +3819,7 @@
         </p:nvSpPr>
         <p:spPr>
           <a:xfrm>
-            <a:off x="3854134" y="166241"/>
+            <a:off x="3844578" y="166241"/>
             <a:ext cx="2914192" cy="2191642"/>
           </a:xfrm>
           <a:prstGeom prst="roundRect">
@@ -3826,7 +3834,7 @@
           </a:solidFill>
           <a:ln w="12700">
             <a:solidFill>
-              <a:srgbClr val="0000FF"/>
+              <a:schemeClr val="tx1"/>
             </a:solidFill>
             <a:prstDash val="dash"/>
           </a:ln>
@@ -3892,15 +3900,16 @@
         </p:nvSpPr>
         <p:spPr>
           <a:xfrm>
-            <a:off x="7671107" y="166241"/>
+            <a:off x="7689154" y="166241"/>
             <a:ext cx="2058932" cy="2191642"/>
           </a:xfrm>
           <a:prstGeom prst="diamond">
             <a:avLst/>
           </a:prstGeom>
           <a:solidFill>
-            <a:schemeClr val="bg1">
-              <a:lumMod val="95000"/>
+            <a:schemeClr val="accent4">
+              <a:lumMod val="60000"/>
+              <a:lumOff val="40000"/>
             </a:schemeClr>
           </a:solidFill>
           <a:ln w="12700">
@@ -3968,7 +3977,7 @@
         <p:spPr>
           <a:xfrm>
             <a:off x="2914194" y="1262062"/>
-            <a:ext cx="939940" cy="0"/>
+            <a:ext cx="930384" cy="0"/>
           </a:xfrm>
           <a:prstGeom prst="straightConnector1">
             <a:avLst/>
@@ -4017,8 +4026,8 @@
         </p:nvCxnSpPr>
         <p:spPr>
           <a:xfrm>
-            <a:off x="6768326" y="1262062"/>
-            <a:ext cx="902781" cy="0"/>
+            <a:off x="6758770" y="1262062"/>
+            <a:ext cx="930384" cy="0"/>
           </a:xfrm>
           <a:prstGeom prst="straightConnector1">
             <a:avLst/>
@@ -4060,8 +4069,8 @@
         </p:nvSpPr>
         <p:spPr>
           <a:xfrm>
-            <a:off x="8067873" y="850090"/>
-            <a:ext cx="1265400" cy="823944"/>
+            <a:off x="7917128" y="929466"/>
+            <a:ext cx="1566889" cy="823944"/>
           </a:xfrm>
           <a:prstGeom prst="rect">
             <a:avLst/>
@@ -4079,7 +4088,7 @@
               <a:rPr lang="en-US" sz="2377" dirty="0">
                 <a:latin typeface="+mj-lt"/>
               </a:rPr>
-              <a:t>FT Model</a:t>
+              <a:t>Fine-tuned model</a:t>
             </a:r>
           </a:p>
         </p:txBody>

--- a/Data/tables_and_plots/plots/pptx/FT.pptx
+++ b/Data/tables_and_plots/plots/pptx/FT.pptx
@@ -2,12 +2,12 @@
 <file path=ppt/presentation.xml><?xml version="1.0" encoding="utf-8"?>
 <p:presentation xmlns:a="http://schemas.openxmlformats.org/drawingml/2006/main" xmlns:r="http://schemas.openxmlformats.org/officeDocument/2006/relationships" xmlns:p="http://schemas.openxmlformats.org/presentationml/2006/main" saveSubsetFonts="1">
   <p:sldMasterIdLst>
-    <p:sldMasterId id="2147483684" r:id="rId1"/>
+    <p:sldMasterId id="2147483720" r:id="rId1"/>
   </p:sldMasterIdLst>
   <p:sldIdLst>
     <p:sldId id="256" r:id="rId2"/>
   </p:sldIdLst>
-  <p:sldSz cx="9720263" cy="2524125"/>
+  <p:sldSz cx="9720263" cy="1439863"/>
   <p:notesSz cx="6858000" cy="9144000"/>
   <p:defaultTextStyle>
     <a:defPPr>
@@ -107,7 +107,7 @@
   <p:extLst>
     <p:ext uri="{EFAFB233-063F-42B5-8137-9DF3F51BA10A}">
       <p15:sldGuideLst xmlns:p15="http://schemas.microsoft.com/office/powerpoint/2012/main">
-        <p15:guide id="1" orient="horz" pos="845" userDrawn="1">
+        <p15:guide id="1" orient="horz" pos="482" userDrawn="1">
           <p15:clr>
             <a:srgbClr val="A4A3A4"/>
           </p15:clr>
@@ -123,23 +123,31 @@
 </p:presentation>
 </file>
 
+<file path=ppt/revisionInfo.xml><?xml version="1.0" encoding="utf-8"?>
+<p1510:revInfo xmlns:a="http://schemas.openxmlformats.org/drawingml/2006/main" xmlns:r="http://schemas.openxmlformats.org/officeDocument/2006/relationships" xmlns:p1510="http://schemas.microsoft.com/office/powerpoint/2015/10/main">
+  <p1510:revLst>
+    <p1510:client id="{E695D4F2-2C51-4D9E-9C29-1A0F246AF608}" v="3" dt="2023-05-24T15:26:32.902"/>
+  </p1510:revLst>
+</p1510:revInfo>
+</file>
+
 <file path=ppt/changesInfos/changesInfo1.xml><?xml version="1.0" encoding="utf-8"?>
 <pc:chgInfo xmlns:a="http://schemas.openxmlformats.org/drawingml/2006/main" xmlns:r="http://schemas.openxmlformats.org/officeDocument/2006/relationships" xmlns:ac="http://schemas.microsoft.com/office/drawing/2013/main/command" xmlns:pc="http://schemas.microsoft.com/office/powerpoint/2013/main/command">
   <pc:docChgLst>
     <pc:chgData name="Markus Alexandersen" userId="991ad98c12cc37c6" providerId="LiveId" clId="{E695D4F2-2C51-4D9E-9C29-1A0F246AF608}"/>
     <pc:docChg chg="undo custSel modSld">
-      <pc:chgData name="Markus Alexandersen" userId="991ad98c12cc37c6" providerId="LiveId" clId="{E695D4F2-2C51-4D9E-9C29-1A0F246AF608}" dt="2023-05-22T09:25:05.903" v="33" actId="1076"/>
+      <pc:chgData name="Markus Alexandersen" userId="991ad98c12cc37c6" providerId="LiveId" clId="{E695D4F2-2C51-4D9E-9C29-1A0F246AF608}" dt="2023-05-24T15:26:41.332" v="64" actId="1036"/>
       <pc:docMkLst>
         <pc:docMk/>
       </pc:docMkLst>
       <pc:sldChg chg="modSp mod">
-        <pc:chgData name="Markus Alexandersen" userId="991ad98c12cc37c6" providerId="LiveId" clId="{E695D4F2-2C51-4D9E-9C29-1A0F246AF608}" dt="2023-05-22T09:25:05.903" v="33" actId="1076"/>
+        <pc:chgData name="Markus Alexandersen" userId="991ad98c12cc37c6" providerId="LiveId" clId="{E695D4F2-2C51-4D9E-9C29-1A0F246AF608}" dt="2023-05-24T15:26:41.332" v="64" actId="1036"/>
         <pc:sldMkLst>
           <pc:docMk/>
           <pc:sldMk cId="3401215204" sldId="256"/>
         </pc:sldMkLst>
         <pc:spChg chg="mod">
-          <ac:chgData name="Markus Alexandersen" userId="991ad98c12cc37c6" providerId="LiveId" clId="{E695D4F2-2C51-4D9E-9C29-1A0F246AF608}" dt="2023-05-22T08:56:00.980" v="18" actId="14100"/>
+          <ac:chgData name="Markus Alexandersen" userId="991ad98c12cc37c6" providerId="LiveId" clId="{E695D4F2-2C51-4D9E-9C29-1A0F246AF608}" dt="2023-05-24T15:26:41.332" v="64" actId="1036"/>
           <ac:spMkLst>
             <pc:docMk/>
             <pc:sldMk cId="3401215204" sldId="256"/>
@@ -147,7 +155,7 @@
           </ac:spMkLst>
         </pc:spChg>
         <pc:spChg chg="mod">
-          <ac:chgData name="Markus Alexandersen" userId="991ad98c12cc37c6" providerId="LiveId" clId="{E695D4F2-2C51-4D9E-9C29-1A0F246AF608}" dt="2023-05-22T09:25:05.903" v="33" actId="1076"/>
+          <ac:chgData name="Markus Alexandersen" userId="991ad98c12cc37c6" providerId="LiveId" clId="{E695D4F2-2C51-4D9E-9C29-1A0F246AF608}" dt="2023-05-24T15:26:41.332" v="64" actId="1036"/>
           <ac:spMkLst>
             <pc:docMk/>
             <pc:sldMk cId="3401215204" sldId="256"/>
@@ -155,7 +163,7 @@
           </ac:spMkLst>
         </pc:spChg>
         <pc:spChg chg="mod">
-          <ac:chgData name="Markus Alexandersen" userId="991ad98c12cc37c6" providerId="LiveId" clId="{E695D4F2-2C51-4D9E-9C29-1A0F246AF608}" dt="2023-05-22T09:25:02.281" v="32" actId="207"/>
+          <ac:chgData name="Markus Alexandersen" userId="991ad98c12cc37c6" providerId="LiveId" clId="{E695D4F2-2C51-4D9E-9C29-1A0F246AF608}" dt="2023-05-24T15:26:41.332" v="64" actId="1036"/>
           <ac:spMkLst>
             <pc:docMk/>
             <pc:sldMk cId="3401215204" sldId="256"/>
@@ -163,7 +171,7 @@
           </ac:spMkLst>
         </pc:spChg>
         <pc:spChg chg="mod">
-          <ac:chgData name="Markus Alexandersen" userId="991ad98c12cc37c6" providerId="LiveId" clId="{E695D4F2-2C51-4D9E-9C29-1A0F246AF608}" dt="2023-05-22T08:59:42.444" v="30" actId="1076"/>
+          <ac:chgData name="Markus Alexandersen" userId="991ad98c12cc37c6" providerId="LiveId" clId="{E695D4F2-2C51-4D9E-9C29-1A0F246AF608}" dt="2023-05-24T15:26:41.332" v="64" actId="1036"/>
           <ac:spMkLst>
             <pc:docMk/>
             <pc:sldMk cId="3401215204" sldId="256"/>
@@ -171,7 +179,7 @@
           </ac:spMkLst>
         </pc:spChg>
         <pc:cxnChg chg="mod">
-          <ac:chgData name="Markus Alexandersen" userId="991ad98c12cc37c6" providerId="LiveId" clId="{E695D4F2-2C51-4D9E-9C29-1A0F246AF608}" dt="2023-05-22T09:25:05.903" v="33" actId="1076"/>
+          <ac:chgData name="Markus Alexandersen" userId="991ad98c12cc37c6" providerId="LiveId" clId="{E695D4F2-2C51-4D9E-9C29-1A0F246AF608}" dt="2023-05-24T15:26:41.332" v="64" actId="1036"/>
           <ac:cxnSpMkLst>
             <pc:docMk/>
             <pc:sldMk cId="3401215204" sldId="256"/>
@@ -179,7 +187,7 @@
           </ac:cxnSpMkLst>
         </pc:cxnChg>
         <pc:cxnChg chg="mod">
-          <ac:chgData name="Markus Alexandersen" userId="991ad98c12cc37c6" providerId="LiveId" clId="{E695D4F2-2C51-4D9E-9C29-1A0F246AF608}" dt="2023-05-22T09:25:05.903" v="33" actId="1076"/>
+          <ac:chgData name="Markus Alexandersen" userId="991ad98c12cc37c6" providerId="LiveId" clId="{E695D4F2-2C51-4D9E-9C29-1A0F246AF608}" dt="2023-05-24T15:26:41.332" v="64" actId="1036"/>
           <ac:cxnSpMkLst>
             <pc:docMk/>
             <pc:sldMk cId="3401215204" sldId="256"/>
@@ -897,15 +905,15 @@
         </p:nvSpPr>
         <p:spPr>
           <a:xfrm>
-            <a:off x="1215033" y="413092"/>
-            <a:ext cx="7290197" cy="878769"/>
+            <a:off x="1215033" y="235644"/>
+            <a:ext cx="7290197" cy="501286"/>
           </a:xfrm>
         </p:spPr>
         <p:txBody>
           <a:bodyPr anchor="b"/>
           <a:lstStyle>
             <a:lvl1pPr algn="ctr">
-              <a:defRPr sz="2209"/>
+              <a:defRPr sz="1260"/>
             </a:lvl1pPr>
           </a:lstStyle>
           <a:p>
@@ -929,8 +937,8 @@
         </p:nvSpPr>
         <p:spPr>
           <a:xfrm>
-            <a:off x="1215033" y="1325750"/>
-            <a:ext cx="7290197" cy="609412"/>
+            <a:off x="1215033" y="756262"/>
+            <a:ext cx="7290197" cy="347633"/>
           </a:xfrm>
         </p:spPr>
         <p:txBody>
@@ -938,39 +946,39 @@
           <a:lstStyle>
             <a:lvl1pPr marL="0" indent="0" algn="ctr">
               <a:buNone/>
-              <a:defRPr sz="883"/>
+              <a:defRPr sz="504"/>
             </a:lvl1pPr>
-            <a:lvl2pPr marL="168295" indent="0" algn="ctr">
-              <a:buNone/>
-              <a:defRPr sz="736"/>
+            <a:lvl2pPr marL="96012" indent="0" algn="ctr">
+              <a:buNone/>
+              <a:defRPr sz="420"/>
             </a:lvl2pPr>
-            <a:lvl3pPr marL="336591" indent="0" algn="ctr">
-              <a:buNone/>
-              <a:defRPr sz="663"/>
+            <a:lvl3pPr marL="192024" indent="0" algn="ctr">
+              <a:buNone/>
+              <a:defRPr sz="378"/>
             </a:lvl3pPr>
-            <a:lvl4pPr marL="504886" indent="0" algn="ctr">
-              <a:buNone/>
-              <a:defRPr sz="589"/>
+            <a:lvl4pPr marL="288036" indent="0" algn="ctr">
+              <a:buNone/>
+              <a:defRPr sz="336"/>
             </a:lvl4pPr>
-            <a:lvl5pPr marL="673181" indent="0" algn="ctr">
-              <a:buNone/>
-              <a:defRPr sz="589"/>
+            <a:lvl5pPr marL="384048" indent="0" algn="ctr">
+              <a:buNone/>
+              <a:defRPr sz="336"/>
             </a:lvl5pPr>
-            <a:lvl6pPr marL="841477" indent="0" algn="ctr">
-              <a:buNone/>
-              <a:defRPr sz="589"/>
+            <a:lvl6pPr marL="480060" indent="0" algn="ctr">
+              <a:buNone/>
+              <a:defRPr sz="336"/>
             </a:lvl6pPr>
-            <a:lvl7pPr marL="1009772" indent="0" algn="ctr">
-              <a:buNone/>
-              <a:defRPr sz="589"/>
+            <a:lvl7pPr marL="576072" indent="0" algn="ctr">
+              <a:buNone/>
+              <a:defRPr sz="336"/>
             </a:lvl7pPr>
-            <a:lvl8pPr marL="1178067" indent="0" algn="ctr">
-              <a:buNone/>
-              <a:defRPr sz="589"/>
+            <a:lvl8pPr marL="672084" indent="0" algn="ctr">
+              <a:buNone/>
+              <a:defRPr sz="336"/>
             </a:lvl8pPr>
-            <a:lvl9pPr marL="1346363" indent="0" algn="ctr">
-              <a:buNone/>
-              <a:defRPr sz="589"/>
+            <a:lvl9pPr marL="768096" indent="0" algn="ctr">
+              <a:buNone/>
+              <a:defRPr sz="336"/>
             </a:lvl9pPr>
           </a:lstStyle>
           <a:p>
@@ -999,7 +1007,7 @@
           <a:p>
             <a:fld id="{0120F4E8-198F-4B2B-B09E-C90C0085E8EB}" type="datetimeFigureOut">
               <a:rPr lang="en-US" smtClean="0"/>
-              <a:t>5/22/2023</a:t>
+              <a:t>5/24/2023</a:t>
             </a:fld>
             <a:endParaRPr lang="en-US"/>
           </a:p>
@@ -1050,7 +1058,7 @@
     </p:spTree>
     <p:extLst>
       <p:ext uri="{BB962C8B-B14F-4D97-AF65-F5344CB8AC3E}">
-        <p14:creationId xmlns:p14="http://schemas.microsoft.com/office/powerpoint/2010/main" val="94737494"/>
+        <p14:creationId xmlns:p14="http://schemas.microsoft.com/office/powerpoint/2010/main" val="4046832477"/>
       </p:ext>
     </p:extLst>
   </p:cSld>
@@ -1169,7 +1177,7 @@
           <a:p>
             <a:fld id="{0120F4E8-198F-4B2B-B09E-C90C0085E8EB}" type="datetimeFigureOut">
               <a:rPr lang="en-US" smtClean="0"/>
-              <a:t>5/22/2023</a:t>
+              <a:t>5/24/2023</a:t>
             </a:fld>
             <a:endParaRPr lang="en-US"/>
           </a:p>
@@ -1220,7 +1228,7 @@
     </p:spTree>
     <p:extLst>
       <p:ext uri="{BB962C8B-B14F-4D97-AF65-F5344CB8AC3E}">
-        <p14:creationId xmlns:p14="http://schemas.microsoft.com/office/powerpoint/2010/main" val="1887557334"/>
+        <p14:creationId xmlns:p14="http://schemas.microsoft.com/office/powerpoint/2010/main" val="2413557524"/>
       </p:ext>
     </p:extLst>
   </p:cSld>
@@ -1259,8 +1267,8 @@
         </p:nvSpPr>
         <p:spPr>
           <a:xfrm>
-            <a:off x="6956063" y="134386"/>
-            <a:ext cx="2095932" cy="2139079"/>
+            <a:off x="6956063" y="76660"/>
+            <a:ext cx="2095932" cy="1220217"/>
           </a:xfrm>
         </p:spPr>
         <p:txBody>
@@ -1287,8 +1295,8 @@
         </p:nvSpPr>
         <p:spPr>
           <a:xfrm>
-            <a:off x="668268" y="134386"/>
-            <a:ext cx="6166292" cy="2139079"/>
+            <a:off x="668268" y="76660"/>
+            <a:ext cx="6166292" cy="1220217"/>
           </a:xfrm>
         </p:spPr>
         <p:txBody>
@@ -1349,7 +1357,7 @@
           <a:p>
             <a:fld id="{0120F4E8-198F-4B2B-B09E-C90C0085E8EB}" type="datetimeFigureOut">
               <a:rPr lang="en-US" smtClean="0"/>
-              <a:t>5/22/2023</a:t>
+              <a:t>5/24/2023</a:t>
             </a:fld>
             <a:endParaRPr lang="en-US"/>
           </a:p>
@@ -1400,7 +1408,7 @@
     </p:spTree>
     <p:extLst>
       <p:ext uri="{BB962C8B-B14F-4D97-AF65-F5344CB8AC3E}">
-        <p14:creationId xmlns:p14="http://schemas.microsoft.com/office/powerpoint/2010/main" val="3502204663"/>
+        <p14:creationId xmlns:p14="http://schemas.microsoft.com/office/powerpoint/2010/main" val="1418403102"/>
       </p:ext>
     </p:extLst>
   </p:cSld>
@@ -1519,7 +1527,7 @@
           <a:p>
             <a:fld id="{0120F4E8-198F-4B2B-B09E-C90C0085E8EB}" type="datetimeFigureOut">
               <a:rPr lang="en-US" smtClean="0"/>
-              <a:t>5/22/2023</a:t>
+              <a:t>5/24/2023</a:t>
             </a:fld>
             <a:endParaRPr lang="en-US"/>
           </a:p>
@@ -1570,7 +1578,7 @@
     </p:spTree>
     <p:extLst>
       <p:ext uri="{BB962C8B-B14F-4D97-AF65-F5344CB8AC3E}">
-        <p14:creationId xmlns:p14="http://schemas.microsoft.com/office/powerpoint/2010/main" val="3887900253"/>
+        <p14:creationId xmlns:p14="http://schemas.microsoft.com/office/powerpoint/2010/main" val="1994429844"/>
       </p:ext>
     </p:extLst>
   </p:cSld>
@@ -1609,15 +1617,15 @@
         </p:nvSpPr>
         <p:spPr>
           <a:xfrm>
-            <a:off x="663205" y="629279"/>
-            <a:ext cx="8383727" cy="1049966"/>
+            <a:off x="663205" y="358966"/>
+            <a:ext cx="8383727" cy="598943"/>
           </a:xfrm>
         </p:spPr>
         <p:txBody>
           <a:bodyPr anchor="b"/>
           <a:lstStyle>
             <a:lvl1pPr>
-              <a:defRPr sz="2209"/>
+              <a:defRPr sz="1260"/>
             </a:lvl1pPr>
           </a:lstStyle>
           <a:p>
@@ -1641,8 +1649,8 @@
         </p:nvSpPr>
         <p:spPr>
           <a:xfrm>
-            <a:off x="663205" y="1689178"/>
-            <a:ext cx="8383727" cy="552152"/>
+            <a:off x="663205" y="963575"/>
+            <a:ext cx="8383727" cy="314970"/>
           </a:xfrm>
         </p:spPr>
         <p:txBody>
@@ -1650,7 +1658,7 @@
           <a:lstStyle>
             <a:lvl1pPr marL="0" indent="0">
               <a:buNone/>
-              <a:defRPr sz="883">
+              <a:defRPr sz="504">
                 <a:solidFill>
                   <a:schemeClr val="tx1">
                     <a:tint val="75000"/>
@@ -1658,9 +1666,9 @@
                 </a:solidFill>
               </a:defRPr>
             </a:lvl1pPr>
-            <a:lvl2pPr marL="168295" indent="0">
-              <a:buNone/>
-              <a:defRPr sz="736">
+            <a:lvl2pPr marL="96012" indent="0">
+              <a:buNone/>
+              <a:defRPr sz="420">
                 <a:solidFill>
                   <a:schemeClr val="tx1">
                     <a:tint val="75000"/>
@@ -1668,9 +1676,9 @@
                 </a:solidFill>
               </a:defRPr>
             </a:lvl2pPr>
-            <a:lvl3pPr marL="336591" indent="0">
-              <a:buNone/>
-              <a:defRPr sz="663">
+            <a:lvl3pPr marL="192024" indent="0">
+              <a:buNone/>
+              <a:defRPr sz="378">
                 <a:solidFill>
                   <a:schemeClr val="tx1">
                     <a:tint val="75000"/>
@@ -1678,9 +1686,9 @@
                 </a:solidFill>
               </a:defRPr>
             </a:lvl3pPr>
-            <a:lvl4pPr marL="504886" indent="0">
-              <a:buNone/>
-              <a:defRPr sz="589">
+            <a:lvl4pPr marL="288036" indent="0">
+              <a:buNone/>
+              <a:defRPr sz="336">
                 <a:solidFill>
                   <a:schemeClr val="tx1">
                     <a:tint val="75000"/>
@@ -1688,9 +1696,9 @@
                 </a:solidFill>
               </a:defRPr>
             </a:lvl4pPr>
-            <a:lvl5pPr marL="673181" indent="0">
-              <a:buNone/>
-              <a:defRPr sz="589">
+            <a:lvl5pPr marL="384048" indent="0">
+              <a:buNone/>
+              <a:defRPr sz="336">
                 <a:solidFill>
                   <a:schemeClr val="tx1">
                     <a:tint val="75000"/>
@@ -1698,9 +1706,9 @@
                 </a:solidFill>
               </a:defRPr>
             </a:lvl5pPr>
-            <a:lvl6pPr marL="841477" indent="0">
-              <a:buNone/>
-              <a:defRPr sz="589">
+            <a:lvl6pPr marL="480060" indent="0">
+              <a:buNone/>
+              <a:defRPr sz="336">
                 <a:solidFill>
                   <a:schemeClr val="tx1">
                     <a:tint val="75000"/>
@@ -1708,9 +1716,9 @@
                 </a:solidFill>
               </a:defRPr>
             </a:lvl6pPr>
-            <a:lvl7pPr marL="1009772" indent="0">
-              <a:buNone/>
-              <a:defRPr sz="589">
+            <a:lvl7pPr marL="576072" indent="0">
+              <a:buNone/>
+              <a:defRPr sz="336">
                 <a:solidFill>
                   <a:schemeClr val="tx1">
                     <a:tint val="75000"/>
@@ -1718,9 +1726,9 @@
                 </a:solidFill>
               </a:defRPr>
             </a:lvl7pPr>
-            <a:lvl8pPr marL="1178067" indent="0">
-              <a:buNone/>
-              <a:defRPr sz="589">
+            <a:lvl8pPr marL="672084" indent="0">
+              <a:buNone/>
+              <a:defRPr sz="336">
                 <a:solidFill>
                   <a:schemeClr val="tx1">
                     <a:tint val="75000"/>
@@ -1728,9 +1736,9 @@
                 </a:solidFill>
               </a:defRPr>
             </a:lvl8pPr>
-            <a:lvl9pPr marL="1346363" indent="0">
-              <a:buNone/>
-              <a:defRPr sz="589">
+            <a:lvl9pPr marL="768096" indent="0">
+              <a:buNone/>
+              <a:defRPr sz="336">
                 <a:solidFill>
                   <a:schemeClr val="tx1">
                     <a:tint val="75000"/>
@@ -1765,7 +1773,7 @@
           <a:p>
             <a:fld id="{0120F4E8-198F-4B2B-B09E-C90C0085E8EB}" type="datetimeFigureOut">
               <a:rPr lang="en-US" smtClean="0"/>
-              <a:t>5/22/2023</a:t>
+              <a:t>5/24/2023</a:t>
             </a:fld>
             <a:endParaRPr lang="en-US"/>
           </a:p>
@@ -1816,7 +1824,7 @@
     </p:spTree>
     <p:extLst>
       <p:ext uri="{BB962C8B-B14F-4D97-AF65-F5344CB8AC3E}">
-        <p14:creationId xmlns:p14="http://schemas.microsoft.com/office/powerpoint/2010/main" val="4286774749"/>
+        <p14:creationId xmlns:p14="http://schemas.microsoft.com/office/powerpoint/2010/main" val="1707388377"/>
       </p:ext>
     </p:extLst>
   </p:cSld>
@@ -1878,8 +1886,8 @@
         </p:nvSpPr>
         <p:spPr>
           <a:xfrm>
-            <a:off x="668268" y="671931"/>
-            <a:ext cx="4131112" cy="1601534"/>
+            <a:off x="668268" y="383297"/>
+            <a:ext cx="4131112" cy="913580"/>
           </a:xfrm>
         </p:spPr>
         <p:txBody>
@@ -1935,8 +1943,8 @@
         </p:nvSpPr>
         <p:spPr>
           <a:xfrm>
-            <a:off x="4920883" y="671931"/>
-            <a:ext cx="4131112" cy="1601534"/>
+            <a:off x="4920883" y="383297"/>
+            <a:ext cx="4131112" cy="913580"/>
           </a:xfrm>
         </p:spPr>
         <p:txBody>
@@ -1997,7 +2005,7 @@
           <a:p>
             <a:fld id="{0120F4E8-198F-4B2B-B09E-C90C0085E8EB}" type="datetimeFigureOut">
               <a:rPr lang="en-US" smtClean="0"/>
-              <a:t>5/22/2023</a:t>
+              <a:t>5/24/2023</a:t>
             </a:fld>
             <a:endParaRPr lang="en-US"/>
           </a:p>
@@ -2048,7 +2056,7 @@
     </p:spTree>
     <p:extLst>
       <p:ext uri="{BB962C8B-B14F-4D97-AF65-F5344CB8AC3E}">
-        <p14:creationId xmlns:p14="http://schemas.microsoft.com/office/powerpoint/2010/main" val="509970282"/>
+        <p14:creationId xmlns:p14="http://schemas.microsoft.com/office/powerpoint/2010/main" val="4228441152"/>
       </p:ext>
     </p:extLst>
   </p:cSld>
@@ -2087,8 +2095,8 @@
         </p:nvSpPr>
         <p:spPr>
           <a:xfrm>
-            <a:off x="669534" y="134386"/>
-            <a:ext cx="8383727" cy="487881"/>
+            <a:off x="669534" y="76659"/>
+            <a:ext cx="8383727" cy="278307"/>
           </a:xfrm>
         </p:spPr>
         <p:txBody>
@@ -2115,8 +2123,8 @@
         </p:nvSpPr>
         <p:spPr>
           <a:xfrm>
-            <a:off x="669535" y="618762"/>
-            <a:ext cx="4112126" cy="303245"/>
+            <a:off x="669535" y="352967"/>
+            <a:ext cx="4112126" cy="172983"/>
           </a:xfrm>
         </p:spPr>
         <p:txBody>
@@ -2124,39 +2132,39 @@
           <a:lstStyle>
             <a:lvl1pPr marL="0" indent="0">
               <a:buNone/>
-              <a:defRPr sz="883" b="1"/>
+              <a:defRPr sz="504" b="1"/>
             </a:lvl1pPr>
-            <a:lvl2pPr marL="168295" indent="0">
-              <a:buNone/>
-              <a:defRPr sz="736" b="1"/>
+            <a:lvl2pPr marL="96012" indent="0">
+              <a:buNone/>
+              <a:defRPr sz="420" b="1"/>
             </a:lvl2pPr>
-            <a:lvl3pPr marL="336591" indent="0">
-              <a:buNone/>
-              <a:defRPr sz="663" b="1"/>
+            <a:lvl3pPr marL="192024" indent="0">
+              <a:buNone/>
+              <a:defRPr sz="378" b="1"/>
             </a:lvl3pPr>
-            <a:lvl4pPr marL="504886" indent="0">
-              <a:buNone/>
-              <a:defRPr sz="589" b="1"/>
+            <a:lvl4pPr marL="288036" indent="0">
+              <a:buNone/>
+              <a:defRPr sz="336" b="1"/>
             </a:lvl4pPr>
-            <a:lvl5pPr marL="673181" indent="0">
-              <a:buNone/>
-              <a:defRPr sz="589" b="1"/>
+            <a:lvl5pPr marL="384048" indent="0">
+              <a:buNone/>
+              <a:defRPr sz="336" b="1"/>
             </a:lvl5pPr>
-            <a:lvl6pPr marL="841477" indent="0">
-              <a:buNone/>
-              <a:defRPr sz="589" b="1"/>
+            <a:lvl6pPr marL="480060" indent="0">
+              <a:buNone/>
+              <a:defRPr sz="336" b="1"/>
             </a:lvl6pPr>
-            <a:lvl7pPr marL="1009772" indent="0">
-              <a:buNone/>
-              <a:defRPr sz="589" b="1"/>
+            <a:lvl7pPr marL="576072" indent="0">
+              <a:buNone/>
+              <a:defRPr sz="336" b="1"/>
             </a:lvl7pPr>
-            <a:lvl8pPr marL="1178067" indent="0">
-              <a:buNone/>
-              <a:defRPr sz="589" b="1"/>
+            <a:lvl8pPr marL="672084" indent="0">
+              <a:buNone/>
+              <a:defRPr sz="336" b="1"/>
             </a:lvl8pPr>
-            <a:lvl9pPr marL="1346363" indent="0">
-              <a:buNone/>
-              <a:defRPr sz="589" b="1"/>
+            <a:lvl9pPr marL="768096" indent="0">
+              <a:buNone/>
+              <a:defRPr sz="336" b="1"/>
             </a:lvl9pPr>
           </a:lstStyle>
           <a:p>
@@ -2180,8 +2188,8 @@
         </p:nvSpPr>
         <p:spPr>
           <a:xfrm>
-            <a:off x="669535" y="922007"/>
-            <a:ext cx="4112126" cy="1356133"/>
+            <a:off x="669535" y="525950"/>
+            <a:ext cx="4112126" cy="773593"/>
           </a:xfrm>
         </p:spPr>
         <p:txBody>
@@ -2237,8 +2245,8 @@
         </p:nvSpPr>
         <p:spPr>
           <a:xfrm>
-            <a:off x="4920883" y="618762"/>
-            <a:ext cx="4132378" cy="303245"/>
+            <a:off x="4920883" y="352967"/>
+            <a:ext cx="4132378" cy="172983"/>
           </a:xfrm>
         </p:spPr>
         <p:txBody>
@@ -2246,39 +2254,39 @@
           <a:lstStyle>
             <a:lvl1pPr marL="0" indent="0">
               <a:buNone/>
-              <a:defRPr sz="883" b="1"/>
+              <a:defRPr sz="504" b="1"/>
             </a:lvl1pPr>
-            <a:lvl2pPr marL="168295" indent="0">
-              <a:buNone/>
-              <a:defRPr sz="736" b="1"/>
+            <a:lvl2pPr marL="96012" indent="0">
+              <a:buNone/>
+              <a:defRPr sz="420" b="1"/>
             </a:lvl2pPr>
-            <a:lvl3pPr marL="336591" indent="0">
-              <a:buNone/>
-              <a:defRPr sz="663" b="1"/>
+            <a:lvl3pPr marL="192024" indent="0">
+              <a:buNone/>
+              <a:defRPr sz="378" b="1"/>
             </a:lvl3pPr>
-            <a:lvl4pPr marL="504886" indent="0">
-              <a:buNone/>
-              <a:defRPr sz="589" b="1"/>
+            <a:lvl4pPr marL="288036" indent="0">
+              <a:buNone/>
+              <a:defRPr sz="336" b="1"/>
             </a:lvl4pPr>
-            <a:lvl5pPr marL="673181" indent="0">
-              <a:buNone/>
-              <a:defRPr sz="589" b="1"/>
+            <a:lvl5pPr marL="384048" indent="0">
+              <a:buNone/>
+              <a:defRPr sz="336" b="1"/>
             </a:lvl5pPr>
-            <a:lvl6pPr marL="841477" indent="0">
-              <a:buNone/>
-              <a:defRPr sz="589" b="1"/>
+            <a:lvl6pPr marL="480060" indent="0">
+              <a:buNone/>
+              <a:defRPr sz="336" b="1"/>
             </a:lvl6pPr>
-            <a:lvl7pPr marL="1009772" indent="0">
-              <a:buNone/>
-              <a:defRPr sz="589" b="1"/>
+            <a:lvl7pPr marL="576072" indent="0">
+              <a:buNone/>
+              <a:defRPr sz="336" b="1"/>
             </a:lvl7pPr>
-            <a:lvl8pPr marL="1178067" indent="0">
-              <a:buNone/>
-              <a:defRPr sz="589" b="1"/>
+            <a:lvl8pPr marL="672084" indent="0">
+              <a:buNone/>
+              <a:defRPr sz="336" b="1"/>
             </a:lvl8pPr>
-            <a:lvl9pPr marL="1346363" indent="0">
-              <a:buNone/>
-              <a:defRPr sz="589" b="1"/>
+            <a:lvl9pPr marL="768096" indent="0">
+              <a:buNone/>
+              <a:defRPr sz="336" b="1"/>
             </a:lvl9pPr>
           </a:lstStyle>
           <a:p>
@@ -2302,8 +2310,8 @@
         </p:nvSpPr>
         <p:spPr>
           <a:xfrm>
-            <a:off x="4920883" y="922007"/>
-            <a:ext cx="4132378" cy="1356133"/>
+            <a:off x="4920883" y="525950"/>
+            <a:ext cx="4132378" cy="773593"/>
           </a:xfrm>
         </p:spPr>
         <p:txBody>
@@ -2364,7 +2372,7 @@
           <a:p>
             <a:fld id="{0120F4E8-198F-4B2B-B09E-C90C0085E8EB}" type="datetimeFigureOut">
               <a:rPr lang="en-US" smtClean="0"/>
-              <a:t>5/22/2023</a:t>
+              <a:t>5/24/2023</a:t>
             </a:fld>
             <a:endParaRPr lang="en-US"/>
           </a:p>
@@ -2415,7 +2423,7 @@
     </p:spTree>
     <p:extLst>
       <p:ext uri="{BB962C8B-B14F-4D97-AF65-F5344CB8AC3E}">
-        <p14:creationId xmlns:p14="http://schemas.microsoft.com/office/powerpoint/2010/main" val="3834982651"/>
+        <p14:creationId xmlns:p14="http://schemas.microsoft.com/office/powerpoint/2010/main" val="2060318400"/>
       </p:ext>
     </p:extLst>
   </p:cSld>
@@ -2482,7 +2490,7 @@
           <a:p>
             <a:fld id="{0120F4E8-198F-4B2B-B09E-C90C0085E8EB}" type="datetimeFigureOut">
               <a:rPr lang="en-US" smtClean="0"/>
-              <a:t>5/22/2023</a:t>
+              <a:t>5/24/2023</a:t>
             </a:fld>
             <a:endParaRPr lang="en-US"/>
           </a:p>
@@ -2533,7 +2541,7 @@
     </p:spTree>
     <p:extLst>
       <p:ext uri="{BB962C8B-B14F-4D97-AF65-F5344CB8AC3E}">
-        <p14:creationId xmlns:p14="http://schemas.microsoft.com/office/powerpoint/2010/main" val="2342089820"/>
+        <p14:creationId xmlns:p14="http://schemas.microsoft.com/office/powerpoint/2010/main" val="4274282120"/>
       </p:ext>
     </p:extLst>
   </p:cSld>
@@ -2577,7 +2585,7 @@
           <a:p>
             <a:fld id="{0120F4E8-198F-4B2B-B09E-C90C0085E8EB}" type="datetimeFigureOut">
               <a:rPr lang="en-US" smtClean="0"/>
-              <a:t>5/22/2023</a:t>
+              <a:t>5/24/2023</a:t>
             </a:fld>
             <a:endParaRPr lang="en-US"/>
           </a:p>
@@ -2628,7 +2636,7 @@
     </p:spTree>
     <p:extLst>
       <p:ext uri="{BB962C8B-B14F-4D97-AF65-F5344CB8AC3E}">
-        <p14:creationId xmlns:p14="http://schemas.microsoft.com/office/powerpoint/2010/main" val="835422441"/>
+        <p14:creationId xmlns:p14="http://schemas.microsoft.com/office/powerpoint/2010/main" val="46228837"/>
       </p:ext>
     </p:extLst>
   </p:cSld>
@@ -2667,15 +2675,15 @@
         </p:nvSpPr>
         <p:spPr>
           <a:xfrm>
-            <a:off x="669534" y="168275"/>
-            <a:ext cx="3135038" cy="588963"/>
+            <a:off x="669534" y="95991"/>
+            <a:ext cx="3135038" cy="335968"/>
           </a:xfrm>
         </p:spPr>
         <p:txBody>
           <a:bodyPr anchor="b"/>
           <a:lstStyle>
             <a:lvl1pPr>
-              <a:defRPr sz="1178"/>
+              <a:defRPr sz="672"/>
             </a:lvl1pPr>
           </a:lstStyle>
           <a:p>
@@ -2699,39 +2707,39 @@
         </p:nvSpPr>
         <p:spPr>
           <a:xfrm>
-            <a:off x="4132378" y="363427"/>
-            <a:ext cx="4920883" cy="1793765"/>
+            <a:off x="4132378" y="207314"/>
+            <a:ext cx="4920883" cy="1023236"/>
           </a:xfrm>
         </p:spPr>
         <p:txBody>
           <a:bodyPr/>
           <a:lstStyle>
             <a:lvl1pPr>
-              <a:defRPr sz="1178"/>
+              <a:defRPr sz="672"/>
             </a:lvl1pPr>
             <a:lvl2pPr>
-              <a:defRPr sz="1031"/>
+              <a:defRPr sz="588"/>
             </a:lvl2pPr>
             <a:lvl3pPr>
-              <a:defRPr sz="883"/>
+              <a:defRPr sz="504"/>
             </a:lvl3pPr>
             <a:lvl4pPr>
-              <a:defRPr sz="736"/>
+              <a:defRPr sz="420"/>
             </a:lvl4pPr>
             <a:lvl5pPr>
-              <a:defRPr sz="736"/>
+              <a:defRPr sz="420"/>
             </a:lvl5pPr>
             <a:lvl6pPr>
-              <a:defRPr sz="736"/>
+              <a:defRPr sz="420"/>
             </a:lvl6pPr>
             <a:lvl7pPr>
-              <a:defRPr sz="736"/>
+              <a:defRPr sz="420"/>
             </a:lvl7pPr>
             <a:lvl8pPr>
-              <a:defRPr sz="736"/>
+              <a:defRPr sz="420"/>
             </a:lvl8pPr>
             <a:lvl9pPr>
-              <a:defRPr sz="736"/>
+              <a:defRPr sz="420"/>
             </a:lvl9pPr>
           </a:lstStyle>
           <a:p>
@@ -2784,8 +2792,8 @@
         </p:nvSpPr>
         <p:spPr>
           <a:xfrm>
-            <a:off x="669534" y="757238"/>
-            <a:ext cx="3135038" cy="1402876"/>
+            <a:off x="669534" y="431959"/>
+            <a:ext cx="3135038" cy="800257"/>
           </a:xfrm>
         </p:spPr>
         <p:txBody>
@@ -2793,39 +2801,39 @@
           <a:lstStyle>
             <a:lvl1pPr marL="0" indent="0">
               <a:buNone/>
-              <a:defRPr sz="589"/>
+              <a:defRPr sz="336"/>
             </a:lvl1pPr>
-            <a:lvl2pPr marL="168295" indent="0">
-              <a:buNone/>
-              <a:defRPr sz="515"/>
+            <a:lvl2pPr marL="96012" indent="0">
+              <a:buNone/>
+              <a:defRPr sz="294"/>
             </a:lvl2pPr>
-            <a:lvl3pPr marL="336591" indent="0">
-              <a:buNone/>
-              <a:defRPr sz="442"/>
+            <a:lvl3pPr marL="192024" indent="0">
+              <a:buNone/>
+              <a:defRPr sz="252"/>
             </a:lvl3pPr>
-            <a:lvl4pPr marL="504886" indent="0">
-              <a:buNone/>
-              <a:defRPr sz="368"/>
+            <a:lvl4pPr marL="288036" indent="0">
+              <a:buNone/>
+              <a:defRPr sz="210"/>
             </a:lvl4pPr>
-            <a:lvl5pPr marL="673181" indent="0">
-              <a:buNone/>
-              <a:defRPr sz="368"/>
+            <a:lvl5pPr marL="384048" indent="0">
+              <a:buNone/>
+              <a:defRPr sz="210"/>
             </a:lvl5pPr>
-            <a:lvl6pPr marL="841477" indent="0">
-              <a:buNone/>
-              <a:defRPr sz="368"/>
+            <a:lvl6pPr marL="480060" indent="0">
+              <a:buNone/>
+              <a:defRPr sz="210"/>
             </a:lvl6pPr>
-            <a:lvl7pPr marL="1009772" indent="0">
-              <a:buNone/>
-              <a:defRPr sz="368"/>
+            <a:lvl7pPr marL="576072" indent="0">
+              <a:buNone/>
+              <a:defRPr sz="210"/>
             </a:lvl7pPr>
-            <a:lvl8pPr marL="1178067" indent="0">
-              <a:buNone/>
-              <a:defRPr sz="368"/>
+            <a:lvl8pPr marL="672084" indent="0">
+              <a:buNone/>
+              <a:defRPr sz="210"/>
             </a:lvl8pPr>
-            <a:lvl9pPr marL="1346363" indent="0">
-              <a:buNone/>
-              <a:defRPr sz="368"/>
+            <a:lvl9pPr marL="768096" indent="0">
+              <a:buNone/>
+              <a:defRPr sz="210"/>
             </a:lvl9pPr>
           </a:lstStyle>
           <a:p>
@@ -2854,7 +2862,7 @@
           <a:p>
             <a:fld id="{0120F4E8-198F-4B2B-B09E-C90C0085E8EB}" type="datetimeFigureOut">
               <a:rPr lang="en-US" smtClean="0"/>
-              <a:t>5/22/2023</a:t>
+              <a:t>5/24/2023</a:t>
             </a:fld>
             <a:endParaRPr lang="en-US"/>
           </a:p>
@@ -2905,7 +2913,7 @@
     </p:spTree>
     <p:extLst>
       <p:ext uri="{BB962C8B-B14F-4D97-AF65-F5344CB8AC3E}">
-        <p14:creationId xmlns:p14="http://schemas.microsoft.com/office/powerpoint/2010/main" val="1132151972"/>
+        <p14:creationId xmlns:p14="http://schemas.microsoft.com/office/powerpoint/2010/main" val="1953754630"/>
       </p:ext>
     </p:extLst>
   </p:cSld>
@@ -2944,15 +2952,15 @@
         </p:nvSpPr>
         <p:spPr>
           <a:xfrm>
-            <a:off x="669534" y="168275"/>
-            <a:ext cx="3135038" cy="588963"/>
+            <a:off x="669534" y="95991"/>
+            <a:ext cx="3135038" cy="335968"/>
           </a:xfrm>
         </p:spPr>
         <p:txBody>
           <a:bodyPr anchor="b"/>
           <a:lstStyle>
             <a:lvl1pPr>
-              <a:defRPr sz="1178"/>
+              <a:defRPr sz="672"/>
             </a:lvl1pPr>
           </a:lstStyle>
           <a:p>
@@ -2976,8 +2984,8 @@
         </p:nvSpPr>
         <p:spPr>
           <a:xfrm>
-            <a:off x="4132378" y="363427"/>
-            <a:ext cx="4920883" cy="1793765"/>
+            <a:off x="4132378" y="207314"/>
+            <a:ext cx="4920883" cy="1023236"/>
           </a:xfrm>
         </p:spPr>
         <p:txBody>
@@ -2985,39 +2993,39 @@
           <a:lstStyle>
             <a:lvl1pPr marL="0" indent="0">
               <a:buNone/>
-              <a:defRPr sz="1178"/>
+              <a:defRPr sz="672"/>
             </a:lvl1pPr>
-            <a:lvl2pPr marL="168295" indent="0">
-              <a:buNone/>
-              <a:defRPr sz="1031"/>
+            <a:lvl2pPr marL="96012" indent="0">
+              <a:buNone/>
+              <a:defRPr sz="588"/>
             </a:lvl2pPr>
-            <a:lvl3pPr marL="336591" indent="0">
-              <a:buNone/>
-              <a:defRPr sz="883"/>
+            <a:lvl3pPr marL="192024" indent="0">
+              <a:buNone/>
+              <a:defRPr sz="504"/>
             </a:lvl3pPr>
-            <a:lvl4pPr marL="504886" indent="0">
-              <a:buNone/>
-              <a:defRPr sz="736"/>
+            <a:lvl4pPr marL="288036" indent="0">
+              <a:buNone/>
+              <a:defRPr sz="420"/>
             </a:lvl4pPr>
-            <a:lvl5pPr marL="673181" indent="0">
-              <a:buNone/>
-              <a:defRPr sz="736"/>
+            <a:lvl5pPr marL="384048" indent="0">
+              <a:buNone/>
+              <a:defRPr sz="420"/>
             </a:lvl5pPr>
-            <a:lvl6pPr marL="841477" indent="0">
-              <a:buNone/>
-              <a:defRPr sz="736"/>
+            <a:lvl6pPr marL="480060" indent="0">
+              <a:buNone/>
+              <a:defRPr sz="420"/>
             </a:lvl6pPr>
-            <a:lvl7pPr marL="1009772" indent="0">
-              <a:buNone/>
-              <a:defRPr sz="736"/>
+            <a:lvl7pPr marL="576072" indent="0">
+              <a:buNone/>
+              <a:defRPr sz="420"/>
             </a:lvl7pPr>
-            <a:lvl8pPr marL="1178067" indent="0">
-              <a:buNone/>
-              <a:defRPr sz="736"/>
+            <a:lvl8pPr marL="672084" indent="0">
+              <a:buNone/>
+              <a:defRPr sz="420"/>
             </a:lvl8pPr>
-            <a:lvl9pPr marL="1346363" indent="0">
-              <a:buNone/>
-              <a:defRPr sz="736"/>
+            <a:lvl9pPr marL="768096" indent="0">
+              <a:buNone/>
+              <a:defRPr sz="420"/>
             </a:lvl9pPr>
           </a:lstStyle>
           <a:p>
@@ -3041,8 +3049,8 @@
         </p:nvSpPr>
         <p:spPr>
           <a:xfrm>
-            <a:off x="669534" y="757238"/>
-            <a:ext cx="3135038" cy="1402876"/>
+            <a:off x="669534" y="431959"/>
+            <a:ext cx="3135038" cy="800257"/>
           </a:xfrm>
         </p:spPr>
         <p:txBody>
@@ -3050,39 +3058,39 @@
           <a:lstStyle>
             <a:lvl1pPr marL="0" indent="0">
               <a:buNone/>
-              <a:defRPr sz="589"/>
+              <a:defRPr sz="336"/>
             </a:lvl1pPr>
-            <a:lvl2pPr marL="168295" indent="0">
-              <a:buNone/>
-              <a:defRPr sz="515"/>
+            <a:lvl2pPr marL="96012" indent="0">
+              <a:buNone/>
+              <a:defRPr sz="294"/>
             </a:lvl2pPr>
-            <a:lvl3pPr marL="336591" indent="0">
-              <a:buNone/>
-              <a:defRPr sz="442"/>
+            <a:lvl3pPr marL="192024" indent="0">
+              <a:buNone/>
+              <a:defRPr sz="252"/>
             </a:lvl3pPr>
-            <a:lvl4pPr marL="504886" indent="0">
-              <a:buNone/>
-              <a:defRPr sz="368"/>
+            <a:lvl4pPr marL="288036" indent="0">
+              <a:buNone/>
+              <a:defRPr sz="210"/>
             </a:lvl4pPr>
-            <a:lvl5pPr marL="673181" indent="0">
-              <a:buNone/>
-              <a:defRPr sz="368"/>
+            <a:lvl5pPr marL="384048" indent="0">
+              <a:buNone/>
+              <a:defRPr sz="210"/>
             </a:lvl5pPr>
-            <a:lvl6pPr marL="841477" indent="0">
-              <a:buNone/>
-              <a:defRPr sz="368"/>
+            <a:lvl6pPr marL="480060" indent="0">
+              <a:buNone/>
+              <a:defRPr sz="210"/>
             </a:lvl6pPr>
-            <a:lvl7pPr marL="1009772" indent="0">
-              <a:buNone/>
-              <a:defRPr sz="368"/>
+            <a:lvl7pPr marL="576072" indent="0">
+              <a:buNone/>
+              <a:defRPr sz="210"/>
             </a:lvl7pPr>
-            <a:lvl8pPr marL="1178067" indent="0">
-              <a:buNone/>
-              <a:defRPr sz="368"/>
+            <a:lvl8pPr marL="672084" indent="0">
+              <a:buNone/>
+              <a:defRPr sz="210"/>
             </a:lvl8pPr>
-            <a:lvl9pPr marL="1346363" indent="0">
-              <a:buNone/>
-              <a:defRPr sz="368"/>
+            <a:lvl9pPr marL="768096" indent="0">
+              <a:buNone/>
+              <a:defRPr sz="210"/>
             </a:lvl9pPr>
           </a:lstStyle>
           <a:p>
@@ -3111,7 +3119,7 @@
           <a:p>
             <a:fld id="{0120F4E8-198F-4B2B-B09E-C90C0085E8EB}" type="datetimeFigureOut">
               <a:rPr lang="en-US" smtClean="0"/>
-              <a:t>5/22/2023</a:t>
+              <a:t>5/24/2023</a:t>
             </a:fld>
             <a:endParaRPr lang="en-US"/>
           </a:p>
@@ -3162,7 +3170,7 @@
     </p:spTree>
     <p:extLst>
       <p:ext uri="{BB962C8B-B14F-4D97-AF65-F5344CB8AC3E}">
-        <p14:creationId xmlns:p14="http://schemas.microsoft.com/office/powerpoint/2010/main" val="1972398420"/>
+        <p14:creationId xmlns:p14="http://schemas.microsoft.com/office/powerpoint/2010/main" val="2256714719"/>
       </p:ext>
     </p:extLst>
   </p:cSld>
@@ -3206,8 +3214,8 @@
         </p:nvSpPr>
         <p:spPr>
           <a:xfrm>
-            <a:off x="668268" y="134386"/>
-            <a:ext cx="8383727" cy="487881"/>
+            <a:off x="668268" y="76659"/>
+            <a:ext cx="8383727" cy="278307"/>
           </a:xfrm>
           <a:prstGeom prst="rect">
             <a:avLst/>
@@ -3239,8 +3247,8 @@
         </p:nvSpPr>
         <p:spPr>
           <a:xfrm>
-            <a:off x="668268" y="671931"/>
-            <a:ext cx="8383727" cy="1601534"/>
+            <a:off x="668268" y="383297"/>
+            <a:ext cx="8383727" cy="913580"/>
           </a:xfrm>
           <a:prstGeom prst="rect">
             <a:avLst/>
@@ -3301,8 +3309,8 @@
         </p:nvSpPr>
         <p:spPr>
           <a:xfrm>
-            <a:off x="668268" y="2339490"/>
-            <a:ext cx="2187059" cy="134386"/>
+            <a:off x="668268" y="1334540"/>
+            <a:ext cx="2187059" cy="76659"/>
           </a:xfrm>
           <a:prstGeom prst="rect">
             <a:avLst/>
@@ -3312,7 +3320,7 @@
           <a:bodyPr vert="horz" lIns="91440" tIns="45720" rIns="91440" bIns="45720" rtlCol="0" anchor="ctr"/>
           <a:lstStyle>
             <a:lvl1pPr algn="l">
-              <a:defRPr sz="442">
+              <a:defRPr sz="252">
                 <a:solidFill>
                   <a:schemeClr val="tx1">
                     <a:tint val="75000"/>
@@ -3324,7 +3332,7 @@
           <a:p>
             <a:fld id="{0120F4E8-198F-4B2B-B09E-C90C0085E8EB}" type="datetimeFigureOut">
               <a:rPr lang="en-US" smtClean="0"/>
-              <a:t>5/22/2023</a:t>
+              <a:t>5/24/2023</a:t>
             </a:fld>
             <a:endParaRPr lang="en-US"/>
           </a:p>
@@ -3342,8 +3350,8 @@
         </p:nvSpPr>
         <p:spPr>
           <a:xfrm>
-            <a:off x="3219837" y="2339490"/>
-            <a:ext cx="3280589" cy="134386"/>
+            <a:off x="3219837" y="1334540"/>
+            <a:ext cx="3280589" cy="76659"/>
           </a:xfrm>
           <a:prstGeom prst="rect">
             <a:avLst/>
@@ -3353,7 +3361,7 @@
           <a:bodyPr vert="horz" lIns="91440" tIns="45720" rIns="91440" bIns="45720" rtlCol="0" anchor="ctr"/>
           <a:lstStyle>
             <a:lvl1pPr algn="ctr">
-              <a:defRPr sz="442">
+              <a:defRPr sz="252">
                 <a:solidFill>
                   <a:schemeClr val="tx1">
                     <a:tint val="75000"/>
@@ -3379,8 +3387,8 @@
         </p:nvSpPr>
         <p:spPr>
           <a:xfrm>
-            <a:off x="6864936" y="2339490"/>
-            <a:ext cx="2187059" cy="134386"/>
+            <a:off x="6864936" y="1334540"/>
+            <a:ext cx="2187059" cy="76659"/>
           </a:xfrm>
           <a:prstGeom prst="rect">
             <a:avLst/>
@@ -3390,7 +3398,7 @@
           <a:bodyPr vert="horz" lIns="91440" tIns="45720" rIns="91440" bIns="45720" rtlCol="0" anchor="ctr"/>
           <a:lstStyle>
             <a:lvl1pPr algn="r">
-              <a:defRPr sz="442">
+              <a:defRPr sz="252">
                 <a:solidFill>
                   <a:schemeClr val="tx1">
                     <a:tint val="75000"/>
@@ -3411,27 +3419,27 @@
     </p:spTree>
     <p:extLst>
       <p:ext uri="{BB962C8B-B14F-4D97-AF65-F5344CB8AC3E}">
-        <p14:creationId xmlns:p14="http://schemas.microsoft.com/office/powerpoint/2010/main" val="2766964103"/>
+        <p14:creationId xmlns:p14="http://schemas.microsoft.com/office/powerpoint/2010/main" val="2605379295"/>
       </p:ext>
     </p:extLst>
   </p:cSld>
   <p:clrMap bg1="lt1" tx1="dk1" bg2="lt2" tx2="dk2" accent1="accent1" accent2="accent2" accent3="accent3" accent4="accent4" accent5="accent5" accent6="accent6" hlink="hlink" folHlink="folHlink"/>
   <p:sldLayoutIdLst>
-    <p:sldLayoutId id="2147483685" r:id="rId1"/>
-    <p:sldLayoutId id="2147483686" r:id="rId2"/>
-    <p:sldLayoutId id="2147483687" r:id="rId3"/>
-    <p:sldLayoutId id="2147483688" r:id="rId4"/>
-    <p:sldLayoutId id="2147483689" r:id="rId5"/>
-    <p:sldLayoutId id="2147483690" r:id="rId6"/>
-    <p:sldLayoutId id="2147483691" r:id="rId7"/>
-    <p:sldLayoutId id="2147483692" r:id="rId8"/>
-    <p:sldLayoutId id="2147483693" r:id="rId9"/>
-    <p:sldLayoutId id="2147483694" r:id="rId10"/>
-    <p:sldLayoutId id="2147483695" r:id="rId11"/>
+    <p:sldLayoutId id="2147483721" r:id="rId1"/>
+    <p:sldLayoutId id="2147483722" r:id="rId2"/>
+    <p:sldLayoutId id="2147483723" r:id="rId3"/>
+    <p:sldLayoutId id="2147483724" r:id="rId4"/>
+    <p:sldLayoutId id="2147483725" r:id="rId5"/>
+    <p:sldLayoutId id="2147483726" r:id="rId6"/>
+    <p:sldLayoutId id="2147483727" r:id="rId7"/>
+    <p:sldLayoutId id="2147483728" r:id="rId8"/>
+    <p:sldLayoutId id="2147483729" r:id="rId9"/>
+    <p:sldLayoutId id="2147483730" r:id="rId10"/>
+    <p:sldLayoutId id="2147483731" r:id="rId11"/>
   </p:sldLayoutIdLst>
   <p:txStyles>
     <p:titleStyle>
-      <a:lvl1pPr algn="l" defTabSz="336591" rtl="0" eaLnBrk="1" latinLnBrk="0" hangingPunct="1">
+      <a:lvl1pPr algn="l" defTabSz="192024" rtl="0" eaLnBrk="1" latinLnBrk="0" hangingPunct="1">
         <a:lnSpc>
           <a:spcPct val="90000"/>
         </a:lnSpc>
@@ -3439,7 +3447,7 @@
           <a:spcPct val="0"/>
         </a:spcBef>
         <a:buNone/>
-        <a:defRPr sz="1620" kern="1200">
+        <a:defRPr sz="924" kern="1200">
           <a:solidFill>
             <a:schemeClr val="tx1"/>
           </a:solidFill>
@@ -3450,16 +3458,16 @@
       </a:lvl1pPr>
     </p:titleStyle>
     <p:bodyStyle>
-      <a:lvl1pPr marL="84148" indent="-84148" algn="l" defTabSz="336591" rtl="0" eaLnBrk="1" latinLnBrk="0" hangingPunct="1">
+      <a:lvl1pPr marL="48006" indent="-48006" algn="l" defTabSz="192024" rtl="0" eaLnBrk="1" latinLnBrk="0" hangingPunct="1">
         <a:lnSpc>
           <a:spcPct val="90000"/>
         </a:lnSpc>
         <a:spcBef>
-          <a:spcPts val="368"/>
+          <a:spcPts val="210"/>
         </a:spcBef>
         <a:buFont typeface="Arial" panose="020B0604020202020204" pitchFamily="34" charset="0"/>
         <a:buChar char="•"/>
-        <a:defRPr sz="1031" kern="1200">
+        <a:defRPr sz="588" kern="1200">
           <a:solidFill>
             <a:schemeClr val="tx1"/>
           </a:solidFill>
@@ -3468,16 +3476,16 @@
           <a:cs typeface="+mn-cs"/>
         </a:defRPr>
       </a:lvl1pPr>
-      <a:lvl2pPr marL="252443" indent="-84148" algn="l" defTabSz="336591" rtl="0" eaLnBrk="1" latinLnBrk="0" hangingPunct="1">
+      <a:lvl2pPr marL="144018" indent="-48006" algn="l" defTabSz="192024" rtl="0" eaLnBrk="1" latinLnBrk="0" hangingPunct="1">
         <a:lnSpc>
           <a:spcPct val="90000"/>
         </a:lnSpc>
         <a:spcBef>
-          <a:spcPts val="184"/>
+          <a:spcPts val="105"/>
         </a:spcBef>
         <a:buFont typeface="Arial" panose="020B0604020202020204" pitchFamily="34" charset="0"/>
         <a:buChar char="•"/>
-        <a:defRPr sz="883" kern="1200">
+        <a:defRPr sz="504" kern="1200">
           <a:solidFill>
             <a:schemeClr val="tx1"/>
           </a:solidFill>
@@ -3486,16 +3494,16 @@
           <a:cs typeface="+mn-cs"/>
         </a:defRPr>
       </a:lvl2pPr>
-      <a:lvl3pPr marL="420738" indent="-84148" algn="l" defTabSz="336591" rtl="0" eaLnBrk="1" latinLnBrk="0" hangingPunct="1">
+      <a:lvl3pPr marL="240030" indent="-48006" algn="l" defTabSz="192024" rtl="0" eaLnBrk="1" latinLnBrk="0" hangingPunct="1">
         <a:lnSpc>
           <a:spcPct val="90000"/>
         </a:lnSpc>
         <a:spcBef>
-          <a:spcPts val="184"/>
+          <a:spcPts val="105"/>
         </a:spcBef>
         <a:buFont typeface="Arial" panose="020B0604020202020204" pitchFamily="34" charset="0"/>
         <a:buChar char="•"/>
-        <a:defRPr sz="736" kern="1200">
+        <a:defRPr sz="420" kern="1200">
           <a:solidFill>
             <a:schemeClr val="tx1"/>
           </a:solidFill>
@@ -3504,16 +3512,16 @@
           <a:cs typeface="+mn-cs"/>
         </a:defRPr>
       </a:lvl3pPr>
-      <a:lvl4pPr marL="589034" indent="-84148" algn="l" defTabSz="336591" rtl="0" eaLnBrk="1" latinLnBrk="0" hangingPunct="1">
+      <a:lvl4pPr marL="336042" indent="-48006" algn="l" defTabSz="192024" rtl="0" eaLnBrk="1" latinLnBrk="0" hangingPunct="1">
         <a:lnSpc>
           <a:spcPct val="90000"/>
         </a:lnSpc>
         <a:spcBef>
-          <a:spcPts val="184"/>
+          <a:spcPts val="105"/>
         </a:spcBef>
         <a:buFont typeface="Arial" panose="020B0604020202020204" pitchFamily="34" charset="0"/>
         <a:buChar char="•"/>
-        <a:defRPr sz="663" kern="1200">
+        <a:defRPr sz="378" kern="1200">
           <a:solidFill>
             <a:schemeClr val="tx1"/>
           </a:solidFill>
@@ -3522,16 +3530,16 @@
           <a:cs typeface="+mn-cs"/>
         </a:defRPr>
       </a:lvl4pPr>
-      <a:lvl5pPr marL="757329" indent="-84148" algn="l" defTabSz="336591" rtl="0" eaLnBrk="1" latinLnBrk="0" hangingPunct="1">
+      <a:lvl5pPr marL="432054" indent="-48006" algn="l" defTabSz="192024" rtl="0" eaLnBrk="1" latinLnBrk="0" hangingPunct="1">
         <a:lnSpc>
           <a:spcPct val="90000"/>
         </a:lnSpc>
         <a:spcBef>
-          <a:spcPts val="184"/>
+          <a:spcPts val="105"/>
         </a:spcBef>
         <a:buFont typeface="Arial" panose="020B0604020202020204" pitchFamily="34" charset="0"/>
         <a:buChar char="•"/>
-        <a:defRPr sz="663" kern="1200">
+        <a:defRPr sz="378" kern="1200">
           <a:solidFill>
             <a:schemeClr val="tx1"/>
           </a:solidFill>
@@ -3540,16 +3548,16 @@
           <a:cs typeface="+mn-cs"/>
         </a:defRPr>
       </a:lvl5pPr>
-      <a:lvl6pPr marL="925624" indent="-84148" algn="l" defTabSz="336591" rtl="0" eaLnBrk="1" latinLnBrk="0" hangingPunct="1">
+      <a:lvl6pPr marL="528066" indent="-48006" algn="l" defTabSz="192024" rtl="0" eaLnBrk="1" latinLnBrk="0" hangingPunct="1">
         <a:lnSpc>
           <a:spcPct val="90000"/>
         </a:lnSpc>
         <a:spcBef>
-          <a:spcPts val="184"/>
+          <a:spcPts val="105"/>
         </a:spcBef>
         <a:buFont typeface="Arial" panose="020B0604020202020204" pitchFamily="34" charset="0"/>
         <a:buChar char="•"/>
-        <a:defRPr sz="663" kern="1200">
+        <a:defRPr sz="378" kern="1200">
           <a:solidFill>
             <a:schemeClr val="tx1"/>
           </a:solidFill>
@@ -3558,16 +3566,16 @@
           <a:cs typeface="+mn-cs"/>
         </a:defRPr>
       </a:lvl6pPr>
-      <a:lvl7pPr marL="1093920" indent="-84148" algn="l" defTabSz="336591" rtl="0" eaLnBrk="1" latinLnBrk="0" hangingPunct="1">
+      <a:lvl7pPr marL="624078" indent="-48006" algn="l" defTabSz="192024" rtl="0" eaLnBrk="1" latinLnBrk="0" hangingPunct="1">
         <a:lnSpc>
           <a:spcPct val="90000"/>
         </a:lnSpc>
         <a:spcBef>
-          <a:spcPts val="184"/>
+          <a:spcPts val="105"/>
         </a:spcBef>
         <a:buFont typeface="Arial" panose="020B0604020202020204" pitchFamily="34" charset="0"/>
         <a:buChar char="•"/>
-        <a:defRPr sz="663" kern="1200">
+        <a:defRPr sz="378" kern="1200">
           <a:solidFill>
             <a:schemeClr val="tx1"/>
           </a:solidFill>
@@ -3576,16 +3584,16 @@
           <a:cs typeface="+mn-cs"/>
         </a:defRPr>
       </a:lvl7pPr>
-      <a:lvl8pPr marL="1262215" indent="-84148" algn="l" defTabSz="336591" rtl="0" eaLnBrk="1" latinLnBrk="0" hangingPunct="1">
+      <a:lvl8pPr marL="720090" indent="-48006" algn="l" defTabSz="192024" rtl="0" eaLnBrk="1" latinLnBrk="0" hangingPunct="1">
         <a:lnSpc>
           <a:spcPct val="90000"/>
         </a:lnSpc>
         <a:spcBef>
-          <a:spcPts val="184"/>
+          <a:spcPts val="105"/>
         </a:spcBef>
         <a:buFont typeface="Arial" panose="020B0604020202020204" pitchFamily="34" charset="0"/>
         <a:buChar char="•"/>
-        <a:defRPr sz="663" kern="1200">
+        <a:defRPr sz="378" kern="1200">
           <a:solidFill>
             <a:schemeClr val="tx1"/>
           </a:solidFill>
@@ -3594,16 +3602,16 @@
           <a:cs typeface="+mn-cs"/>
         </a:defRPr>
       </a:lvl8pPr>
-      <a:lvl9pPr marL="1430510" indent="-84148" algn="l" defTabSz="336591" rtl="0" eaLnBrk="1" latinLnBrk="0" hangingPunct="1">
+      <a:lvl9pPr marL="816102" indent="-48006" algn="l" defTabSz="192024" rtl="0" eaLnBrk="1" latinLnBrk="0" hangingPunct="1">
         <a:lnSpc>
           <a:spcPct val="90000"/>
         </a:lnSpc>
         <a:spcBef>
-          <a:spcPts val="184"/>
+          <a:spcPts val="105"/>
         </a:spcBef>
         <a:buFont typeface="Arial" panose="020B0604020202020204" pitchFamily="34" charset="0"/>
         <a:buChar char="•"/>
-        <a:defRPr sz="663" kern="1200">
+        <a:defRPr sz="378" kern="1200">
           <a:solidFill>
             <a:schemeClr val="tx1"/>
           </a:solidFill>
@@ -3617,8 +3625,8 @@
       <a:defPPr>
         <a:defRPr lang="en-US"/>
       </a:defPPr>
-      <a:lvl1pPr marL="0" algn="l" defTabSz="336591" rtl="0" eaLnBrk="1" latinLnBrk="0" hangingPunct="1">
-        <a:defRPr sz="663" kern="1200">
+      <a:lvl1pPr marL="0" algn="l" defTabSz="192024" rtl="0" eaLnBrk="1" latinLnBrk="0" hangingPunct="1">
+        <a:defRPr sz="378" kern="1200">
           <a:solidFill>
             <a:schemeClr val="tx1"/>
           </a:solidFill>
@@ -3627,8 +3635,8 @@
           <a:cs typeface="+mn-cs"/>
         </a:defRPr>
       </a:lvl1pPr>
-      <a:lvl2pPr marL="168295" algn="l" defTabSz="336591" rtl="0" eaLnBrk="1" latinLnBrk="0" hangingPunct="1">
-        <a:defRPr sz="663" kern="1200">
+      <a:lvl2pPr marL="96012" algn="l" defTabSz="192024" rtl="0" eaLnBrk="1" latinLnBrk="0" hangingPunct="1">
+        <a:defRPr sz="378" kern="1200">
           <a:solidFill>
             <a:schemeClr val="tx1"/>
           </a:solidFill>
@@ -3637,8 +3645,8 @@
           <a:cs typeface="+mn-cs"/>
         </a:defRPr>
       </a:lvl2pPr>
-      <a:lvl3pPr marL="336591" algn="l" defTabSz="336591" rtl="0" eaLnBrk="1" latinLnBrk="0" hangingPunct="1">
-        <a:defRPr sz="663" kern="1200">
+      <a:lvl3pPr marL="192024" algn="l" defTabSz="192024" rtl="0" eaLnBrk="1" latinLnBrk="0" hangingPunct="1">
+        <a:defRPr sz="378" kern="1200">
           <a:solidFill>
             <a:schemeClr val="tx1"/>
           </a:solidFill>
@@ -3647,8 +3655,8 @@
           <a:cs typeface="+mn-cs"/>
         </a:defRPr>
       </a:lvl3pPr>
-      <a:lvl4pPr marL="504886" algn="l" defTabSz="336591" rtl="0" eaLnBrk="1" latinLnBrk="0" hangingPunct="1">
-        <a:defRPr sz="663" kern="1200">
+      <a:lvl4pPr marL="288036" algn="l" defTabSz="192024" rtl="0" eaLnBrk="1" latinLnBrk="0" hangingPunct="1">
+        <a:defRPr sz="378" kern="1200">
           <a:solidFill>
             <a:schemeClr val="tx1"/>
           </a:solidFill>
@@ -3657,8 +3665,8 @@
           <a:cs typeface="+mn-cs"/>
         </a:defRPr>
       </a:lvl4pPr>
-      <a:lvl5pPr marL="673181" algn="l" defTabSz="336591" rtl="0" eaLnBrk="1" latinLnBrk="0" hangingPunct="1">
-        <a:defRPr sz="663" kern="1200">
+      <a:lvl5pPr marL="384048" algn="l" defTabSz="192024" rtl="0" eaLnBrk="1" latinLnBrk="0" hangingPunct="1">
+        <a:defRPr sz="378" kern="1200">
           <a:solidFill>
             <a:schemeClr val="tx1"/>
           </a:solidFill>
@@ -3667,8 +3675,8 @@
           <a:cs typeface="+mn-cs"/>
         </a:defRPr>
       </a:lvl5pPr>
-      <a:lvl6pPr marL="841477" algn="l" defTabSz="336591" rtl="0" eaLnBrk="1" latinLnBrk="0" hangingPunct="1">
-        <a:defRPr sz="663" kern="1200">
+      <a:lvl6pPr marL="480060" algn="l" defTabSz="192024" rtl="0" eaLnBrk="1" latinLnBrk="0" hangingPunct="1">
+        <a:defRPr sz="378" kern="1200">
           <a:solidFill>
             <a:schemeClr val="tx1"/>
           </a:solidFill>
@@ -3677,8 +3685,8 @@
           <a:cs typeface="+mn-cs"/>
         </a:defRPr>
       </a:lvl6pPr>
-      <a:lvl7pPr marL="1009772" algn="l" defTabSz="336591" rtl="0" eaLnBrk="1" latinLnBrk="0" hangingPunct="1">
-        <a:defRPr sz="663" kern="1200">
+      <a:lvl7pPr marL="576072" algn="l" defTabSz="192024" rtl="0" eaLnBrk="1" latinLnBrk="0" hangingPunct="1">
+        <a:defRPr sz="378" kern="1200">
           <a:solidFill>
             <a:schemeClr val="tx1"/>
           </a:solidFill>
@@ -3687,8 +3695,8 @@
           <a:cs typeface="+mn-cs"/>
         </a:defRPr>
       </a:lvl7pPr>
-      <a:lvl8pPr marL="1178067" algn="l" defTabSz="336591" rtl="0" eaLnBrk="1" latinLnBrk="0" hangingPunct="1">
-        <a:defRPr sz="663" kern="1200">
+      <a:lvl8pPr marL="672084" algn="l" defTabSz="192024" rtl="0" eaLnBrk="1" latinLnBrk="0" hangingPunct="1">
+        <a:defRPr sz="378" kern="1200">
           <a:solidFill>
             <a:schemeClr val="tx1"/>
           </a:solidFill>
@@ -3697,8 +3705,8 @@
           <a:cs typeface="+mn-cs"/>
         </a:defRPr>
       </a:lvl8pPr>
-      <a:lvl9pPr marL="1346363" algn="l" defTabSz="336591" rtl="0" eaLnBrk="1" latinLnBrk="0" hangingPunct="1">
-        <a:defRPr sz="663" kern="1200">
+      <a:lvl9pPr marL="768096" algn="l" defTabSz="192024" rtl="0" eaLnBrk="1" latinLnBrk="0" hangingPunct="1">
+        <a:defRPr sz="378" kern="1200">
           <a:solidFill>
             <a:schemeClr val="tx1"/>
           </a:solidFill>
@@ -3743,8 +3751,8 @@
         </p:nvSpPr>
         <p:spPr>
           <a:xfrm>
-            <a:off x="0" y="166241"/>
-            <a:ext cx="2914194" cy="2191642"/>
+            <a:off x="0" y="80208"/>
+            <a:ext cx="2914192" cy="1249709"/>
           </a:xfrm>
           <a:prstGeom prst="roundRect">
             <a:avLst>
@@ -3789,7 +3797,7 @@
           <a:p>
             <a:pPr indent="233189" algn="ctr"/>
             <a:r>
-              <a:rPr lang="en-US" sz="2377" dirty="0">
+              <a:rPr lang="en-US" sz="1400" dirty="0">
                 <a:solidFill>
                   <a:srgbClr val="000000"/>
                 </a:solidFill>
@@ -3798,7 +3806,7 @@
               </a:rPr>
               <a:t>Training data</a:t>
             </a:r>
-            <a:endParaRPr lang="nb-NO" sz="2377" dirty="0">
+            <a:endParaRPr lang="nb-NO" sz="1400" dirty="0">
               <a:latin typeface="+mj-lt"/>
               <a:ea typeface="Times New Roman" panose="02020603050405020304" pitchFamily="18" charset="0"/>
             </a:endParaRPr>
@@ -3819,8 +3827,8 @@
         </p:nvSpPr>
         <p:spPr>
           <a:xfrm>
-            <a:off x="3844578" y="166241"/>
-            <a:ext cx="2914192" cy="2191642"/>
+            <a:off x="3844578" y="80208"/>
+            <a:ext cx="2914192" cy="1249709"/>
           </a:xfrm>
           <a:prstGeom prst="roundRect">
             <a:avLst>
@@ -3870,7 +3878,7 @@
               </a:lnSpc>
             </a:pPr>
             <a:r>
-              <a:rPr lang="en-US" sz="2377" dirty="0">
+              <a:rPr lang="en-US" sz="1400" dirty="0">
                 <a:solidFill>
                   <a:srgbClr val="000000"/>
                 </a:solidFill>
@@ -3879,7 +3887,7 @@
               </a:rPr>
               <a:t>Subsample from training data classified by humans</a:t>
             </a:r>
-            <a:endParaRPr lang="nb-NO" sz="2377" dirty="0">
+            <a:endParaRPr lang="nb-NO" sz="1400" dirty="0">
               <a:latin typeface="+mj-lt"/>
               <a:ea typeface="Times New Roman" panose="02020603050405020304" pitchFamily="18" charset="0"/>
             </a:endParaRPr>
@@ -3900,18 +3908,13 @@
         </p:nvSpPr>
         <p:spPr>
           <a:xfrm>
-            <a:off x="7689154" y="166241"/>
-            <a:ext cx="2058932" cy="2191642"/>
+            <a:off x="7689157" y="80208"/>
+            <a:ext cx="2031109" cy="1249709"/>
           </a:xfrm>
           <a:prstGeom prst="diamond">
             <a:avLst/>
           </a:prstGeom>
-          <a:solidFill>
-            <a:schemeClr val="accent4">
-              <a:lumMod val="60000"/>
-              <a:lumOff val="40000"/>
-            </a:schemeClr>
-          </a:solidFill>
+          <a:noFill/>
           <a:ln w="12700">
             <a:solidFill>
               <a:schemeClr val="tx1"/>
@@ -3948,10 +3951,13 @@
                 <a:spcPct val="130000"/>
               </a:lnSpc>
             </a:pPr>
-            <a:endParaRPr lang="nb-NO" sz="1321" dirty="0">
-              <a:latin typeface="Times New Roman" panose="02020603050405020304" pitchFamily="18" charset="0"/>
-              <a:ea typeface="Times New Roman" panose="02020603050405020304" pitchFamily="18" charset="0"/>
-            </a:endParaRPr>
+            <a:r>
+              <a:rPr lang="nb-NO" sz="1000" dirty="0">
+                <a:latin typeface="Times New Roman" panose="02020603050405020304" pitchFamily="18" charset="0"/>
+                <a:ea typeface="Times New Roman" panose="02020603050405020304" pitchFamily="18" charset="0"/>
+              </a:rPr>
+              <a:t>,</a:t>
+            </a:r>
           </a:p>
         </p:txBody>
       </p:sp>
@@ -3976,8 +3982,8 @@
         </p:nvCxnSpPr>
         <p:spPr>
           <a:xfrm>
-            <a:off x="2914194" y="1262062"/>
-            <a:ext cx="930384" cy="0"/>
+            <a:off x="2914192" y="705060"/>
+            <a:ext cx="930386" cy="0"/>
           </a:xfrm>
           <a:prstGeom prst="straightConnector1">
             <a:avLst/>
@@ -4026,7 +4032,7 @@
         </p:nvCxnSpPr>
         <p:spPr>
           <a:xfrm>
-            <a:off x="6758770" y="1262062"/>
+            <a:off x="6758770" y="705060"/>
             <a:ext cx="930384" cy="0"/>
           </a:xfrm>
           <a:prstGeom prst="straightConnector1">
@@ -4069,8 +4075,8 @@
         </p:nvSpPr>
         <p:spPr>
           <a:xfrm>
-            <a:off x="7917128" y="929466"/>
-            <a:ext cx="1566889" cy="823944"/>
+            <a:off x="7935178" y="551173"/>
+            <a:ext cx="1566889" cy="307777"/>
           </a:xfrm>
           <a:prstGeom prst="rect">
             <a:avLst/>
@@ -4085,7 +4091,7 @@
           <a:p>
             <a:pPr algn="ctr"/>
             <a:r>
-              <a:rPr lang="en-US" sz="2377" dirty="0">
+              <a:rPr lang="en-US" sz="1400" dirty="0">
                 <a:latin typeface="+mj-lt"/>
               </a:rPr>
               <a:t>Fine-tuned model</a:t>
